--- a/doc/Clarityエンジン.pptx
+++ b/doc/Clarityエンジン.pptx
@@ -270,7 +270,7 @@
           <a:p>
             <a:fld id="{503CAEEB-969E-40A2-99B6-BFCB3CC13052}" type="datetimeFigureOut">
               <a:rPr kumimoji="1" lang="ja-JP" altLang="en-US" smtClean="0"/>
-              <a:t>2021/3/13</a:t>
+              <a:t>2021/4/21</a:t>
             </a:fld>
             <a:endParaRPr kumimoji="1" lang="ja-JP" altLang="en-US"/>
           </a:p>
@@ -500,7 +500,7 @@
           <a:p>
             <a:fld id="{503CAEEB-969E-40A2-99B6-BFCB3CC13052}" type="datetimeFigureOut">
               <a:rPr kumimoji="1" lang="ja-JP" altLang="en-US" smtClean="0"/>
-              <a:t>2021/3/13</a:t>
+              <a:t>2021/4/21</a:t>
             </a:fld>
             <a:endParaRPr kumimoji="1" lang="ja-JP" altLang="en-US"/>
           </a:p>
@@ -740,7 +740,7 @@
           <a:p>
             <a:fld id="{503CAEEB-969E-40A2-99B6-BFCB3CC13052}" type="datetimeFigureOut">
               <a:rPr kumimoji="1" lang="ja-JP" altLang="en-US" smtClean="0"/>
-              <a:t>2021/3/13</a:t>
+              <a:t>2021/4/21</a:t>
             </a:fld>
             <a:endParaRPr kumimoji="1" lang="ja-JP" altLang="en-US"/>
           </a:p>
@@ -970,7 +970,7 @@
           <a:p>
             <a:fld id="{503CAEEB-969E-40A2-99B6-BFCB3CC13052}" type="datetimeFigureOut">
               <a:rPr kumimoji="1" lang="ja-JP" altLang="en-US" smtClean="0"/>
-              <a:t>2021/3/13</a:t>
+              <a:t>2021/4/21</a:t>
             </a:fld>
             <a:endParaRPr kumimoji="1" lang="ja-JP" altLang="en-US"/>
           </a:p>
@@ -1245,7 +1245,7 @@
           <a:p>
             <a:fld id="{503CAEEB-969E-40A2-99B6-BFCB3CC13052}" type="datetimeFigureOut">
               <a:rPr kumimoji="1" lang="ja-JP" altLang="en-US" smtClean="0"/>
-              <a:t>2021/3/13</a:t>
+              <a:t>2021/4/21</a:t>
             </a:fld>
             <a:endParaRPr kumimoji="1" lang="ja-JP" altLang="en-US"/>
           </a:p>
@@ -1574,7 +1574,7 @@
           <a:p>
             <a:fld id="{503CAEEB-969E-40A2-99B6-BFCB3CC13052}" type="datetimeFigureOut">
               <a:rPr kumimoji="1" lang="ja-JP" altLang="en-US" smtClean="0"/>
-              <a:t>2021/3/13</a:t>
+              <a:t>2021/4/21</a:t>
             </a:fld>
             <a:endParaRPr kumimoji="1" lang="ja-JP" altLang="en-US"/>
           </a:p>
@@ -2050,7 +2050,7 @@
           <a:p>
             <a:fld id="{503CAEEB-969E-40A2-99B6-BFCB3CC13052}" type="datetimeFigureOut">
               <a:rPr kumimoji="1" lang="ja-JP" altLang="en-US" smtClean="0"/>
-              <a:t>2021/3/13</a:t>
+              <a:t>2021/4/21</a:t>
             </a:fld>
             <a:endParaRPr kumimoji="1" lang="ja-JP" altLang="en-US"/>
           </a:p>
@@ -2191,7 +2191,7 @@
           <a:p>
             <a:fld id="{503CAEEB-969E-40A2-99B6-BFCB3CC13052}" type="datetimeFigureOut">
               <a:rPr kumimoji="1" lang="ja-JP" altLang="en-US" smtClean="0"/>
-              <a:t>2021/3/13</a:t>
+              <a:t>2021/4/21</a:t>
             </a:fld>
             <a:endParaRPr kumimoji="1" lang="ja-JP" altLang="en-US"/>
           </a:p>
@@ -2304,7 +2304,7 @@
           <a:p>
             <a:fld id="{503CAEEB-969E-40A2-99B6-BFCB3CC13052}" type="datetimeFigureOut">
               <a:rPr kumimoji="1" lang="ja-JP" altLang="en-US" smtClean="0"/>
-              <a:t>2021/3/13</a:t>
+              <a:t>2021/4/21</a:t>
             </a:fld>
             <a:endParaRPr kumimoji="1" lang="ja-JP" altLang="en-US"/>
           </a:p>
@@ -2647,7 +2647,7 @@
           <a:p>
             <a:fld id="{503CAEEB-969E-40A2-99B6-BFCB3CC13052}" type="datetimeFigureOut">
               <a:rPr kumimoji="1" lang="ja-JP" altLang="en-US" smtClean="0"/>
-              <a:t>2021/3/13</a:t>
+              <a:t>2021/4/21</a:t>
             </a:fld>
             <a:endParaRPr kumimoji="1" lang="ja-JP" altLang="en-US"/>
           </a:p>
@@ -2935,7 +2935,7 @@
           <a:p>
             <a:fld id="{503CAEEB-969E-40A2-99B6-BFCB3CC13052}" type="datetimeFigureOut">
               <a:rPr kumimoji="1" lang="ja-JP" altLang="en-US" smtClean="0"/>
-              <a:t>2021/3/13</a:t>
+              <a:t>2021/4/21</a:t>
             </a:fld>
             <a:endParaRPr kumimoji="1" lang="ja-JP" altLang="en-US"/>
           </a:p>
@@ -3208,7 +3208,7 @@
           <a:p>
             <a:fld id="{503CAEEB-969E-40A2-99B6-BFCB3CC13052}" type="datetimeFigureOut">
               <a:rPr kumimoji="1" lang="ja-JP" altLang="en-US" smtClean="0"/>
-              <a:t>2021/3/13</a:t>
+              <a:t>2021/4/21</a:t>
             </a:fld>
             <a:endParaRPr kumimoji="1" lang="ja-JP" altLang="en-US"/>
           </a:p>
@@ -4882,6 +4882,221 @@
           </a:p>
         </p:txBody>
       </p:sp>
+      <p:sp>
+        <p:nvSpPr>
+          <p:cNvPr id="6" name="四角形: 角を丸くする 5">
+            <a:extLst>
+              <a:ext uri="{FF2B5EF4-FFF2-40B4-BE49-F238E27FC236}">
+                <a16:creationId xmlns:a16="http://schemas.microsoft.com/office/drawing/2014/main" id="{4C5049A6-A7F2-4D3A-A450-E6CC36ACB6EB}"/>
+              </a:ext>
+            </a:extLst>
+          </p:cNvPr>
+          <p:cNvSpPr/>
+          <p:nvPr/>
+        </p:nvSpPr>
+        <p:spPr>
+          <a:xfrm>
+            <a:off x="964034" y="4286774"/>
+            <a:ext cx="3816991" cy="2055303"/>
+          </a:xfrm>
+          <a:prstGeom prst="roundRect">
+            <a:avLst/>
+          </a:prstGeom>
+          <a:ln w="22225">
+            <a:solidFill>
+              <a:schemeClr val="tx1"/>
+            </a:solidFill>
+            <a:prstDash val="dash"/>
+          </a:ln>
+        </p:spPr>
+        <p:style>
+          <a:lnRef idx="1">
+            <a:schemeClr val="accent3"/>
+          </a:lnRef>
+          <a:fillRef idx="2">
+            <a:schemeClr val="accent3"/>
+          </a:fillRef>
+          <a:effectRef idx="1">
+            <a:schemeClr val="accent3"/>
+          </a:effectRef>
+          <a:fontRef idx="minor">
+            <a:schemeClr val="dk1"/>
+          </a:fontRef>
+        </p:style>
+        <p:txBody>
+          <a:bodyPr rtlCol="0" anchor="ctr"/>
+          <a:lstStyle/>
+          <a:p>
+            <a:pPr algn="ctr"/>
+            <a:r>
+              <a:rPr kumimoji="1" lang="en-US" altLang="ja-JP" dirty="0"/>
+              <a:t>Radiant</a:t>
+            </a:r>
+          </a:p>
+          <a:p>
+            <a:pPr algn="ctr"/>
+            <a:r>
+              <a:rPr lang="en-US" altLang="ja-JP" dirty="0"/>
+              <a:t>STG </a:t>
+            </a:r>
+            <a:r>
+              <a:rPr lang="ja-JP" altLang="en-US" dirty="0"/>
+              <a:t>アクション用ライブラリ</a:t>
+            </a:r>
+            <a:endParaRPr kumimoji="1" lang="en-US" altLang="ja-JP" dirty="0"/>
+          </a:p>
+        </p:txBody>
+      </p:sp>
+      <p:sp>
+        <p:nvSpPr>
+          <p:cNvPr id="7" name="四角形: 角を丸くする 6">
+            <a:extLst>
+              <a:ext uri="{FF2B5EF4-FFF2-40B4-BE49-F238E27FC236}">
+                <a16:creationId xmlns:a16="http://schemas.microsoft.com/office/drawing/2014/main" id="{66958D24-A769-4A5A-A25B-BDF0083066A1}"/>
+              </a:ext>
+            </a:extLst>
+          </p:cNvPr>
+          <p:cNvSpPr/>
+          <p:nvPr/>
+        </p:nvSpPr>
+        <p:spPr>
+          <a:xfrm>
+            <a:off x="5913538" y="4286773"/>
+            <a:ext cx="3816991" cy="2055303"/>
+          </a:xfrm>
+          <a:prstGeom prst="roundRect">
+            <a:avLst/>
+          </a:prstGeom>
+          <a:ln w="22225">
+            <a:solidFill>
+              <a:schemeClr val="tx1"/>
+            </a:solidFill>
+            <a:prstDash val="dash"/>
+          </a:ln>
+        </p:spPr>
+        <p:style>
+          <a:lnRef idx="1">
+            <a:schemeClr val="accent3"/>
+          </a:lnRef>
+          <a:fillRef idx="2">
+            <a:schemeClr val="accent3"/>
+          </a:fillRef>
+          <a:effectRef idx="1">
+            <a:schemeClr val="accent3"/>
+          </a:effectRef>
+          <a:fontRef idx="minor">
+            <a:schemeClr val="dk1"/>
+          </a:fontRef>
+        </p:style>
+        <p:txBody>
+          <a:bodyPr rtlCol="0" anchor="ctr"/>
+          <a:lstStyle/>
+          <a:p>
+            <a:pPr algn="ctr"/>
+            <a:r>
+              <a:rPr kumimoji="1" lang="en-US" altLang="ja-JP" dirty="0"/>
+              <a:t>Legible</a:t>
+            </a:r>
+          </a:p>
+          <a:p>
+            <a:pPr algn="ctr"/>
+            <a:r>
+              <a:rPr lang="en-US" altLang="ja-JP" dirty="0"/>
+              <a:t>ADV</a:t>
+            </a:r>
+            <a:r>
+              <a:rPr lang="ja-JP" altLang="en-US" dirty="0"/>
+              <a:t>用スクリプトライブラリ</a:t>
+            </a:r>
+            <a:endParaRPr kumimoji="1" lang="en-US" altLang="ja-JP" dirty="0"/>
+          </a:p>
+        </p:txBody>
+      </p:sp>
+      <p:cxnSp>
+        <p:nvCxnSpPr>
+          <p:cNvPr id="8" name="直線矢印コネクタ 7">
+            <a:extLst>
+              <a:ext uri="{FF2B5EF4-FFF2-40B4-BE49-F238E27FC236}">
+                <a16:creationId xmlns:a16="http://schemas.microsoft.com/office/drawing/2014/main" id="{46604B9E-DCA9-4600-ACA7-F7190D187F3B}"/>
+              </a:ext>
+            </a:extLst>
+          </p:cNvPr>
+          <p:cNvCxnSpPr>
+            <a:stCxn id="6" idx="0"/>
+            <a:endCxn id="3" idx="2"/>
+          </p:cNvCxnSpPr>
+          <p:nvPr/>
+        </p:nvCxnSpPr>
+        <p:spPr>
+          <a:xfrm flipH="1" flipV="1">
+            <a:off x="2746696" y="3850547"/>
+            <a:ext cx="125834" cy="436227"/>
+          </a:xfrm>
+          <a:prstGeom prst="straightConnector1">
+            <a:avLst/>
+          </a:prstGeom>
+          <a:ln>
+            <a:tailEnd type="triangle"/>
+          </a:ln>
+        </p:spPr>
+        <p:style>
+          <a:lnRef idx="1">
+            <a:schemeClr val="accent1"/>
+          </a:lnRef>
+          <a:fillRef idx="0">
+            <a:schemeClr val="accent1"/>
+          </a:fillRef>
+          <a:effectRef idx="0">
+            <a:schemeClr val="accent1"/>
+          </a:effectRef>
+          <a:fontRef idx="minor">
+            <a:schemeClr val="tx1"/>
+          </a:fontRef>
+        </p:style>
+      </p:cxnSp>
+      <p:cxnSp>
+        <p:nvCxnSpPr>
+          <p:cNvPr id="9" name="直線矢印コネクタ 8">
+            <a:extLst>
+              <a:ext uri="{FF2B5EF4-FFF2-40B4-BE49-F238E27FC236}">
+                <a16:creationId xmlns:a16="http://schemas.microsoft.com/office/drawing/2014/main" id="{BC5BB806-8CED-46FB-A98E-27067A6F2323}"/>
+              </a:ext>
+            </a:extLst>
+          </p:cNvPr>
+          <p:cNvCxnSpPr>
+            <a:cxnSpLocks/>
+            <a:stCxn id="7" idx="0"/>
+            <a:endCxn id="3" idx="2"/>
+          </p:cNvCxnSpPr>
+          <p:nvPr/>
+        </p:nvCxnSpPr>
+        <p:spPr>
+          <a:xfrm flipH="1" flipV="1">
+            <a:off x="2746696" y="3850547"/>
+            <a:ext cx="5075338" cy="436226"/>
+          </a:xfrm>
+          <a:prstGeom prst="straightConnector1">
+            <a:avLst/>
+          </a:prstGeom>
+          <a:ln>
+            <a:tailEnd type="triangle"/>
+          </a:ln>
+        </p:spPr>
+        <p:style>
+          <a:lnRef idx="1">
+            <a:schemeClr val="accent1"/>
+          </a:lnRef>
+          <a:fillRef idx="0">
+            <a:schemeClr val="accent1"/>
+          </a:fillRef>
+          <a:effectRef idx="0">
+            <a:schemeClr val="accent1"/>
+          </a:effectRef>
+          <a:fontRef idx="minor">
+            <a:schemeClr val="tx1"/>
+          </a:fontRef>
+        </p:style>
+      </p:cxnSp>
     </p:spTree>
     <p:extLst>
       <p:ext uri="{BB962C8B-B14F-4D97-AF65-F5344CB8AC3E}">

--- a/doc/Clarityエンジン.pptx
+++ b/doc/Clarityエンジン.pptx
@@ -270,7 +270,7 @@
           <a:p>
             <a:fld id="{503CAEEB-969E-40A2-99B6-BFCB3CC13052}" type="datetimeFigureOut">
               <a:rPr kumimoji="1" lang="ja-JP" altLang="en-US" smtClean="0"/>
-              <a:t>2021/4/21</a:t>
+              <a:t>2021/5/5</a:t>
             </a:fld>
             <a:endParaRPr kumimoji="1" lang="ja-JP" altLang="en-US"/>
           </a:p>
@@ -500,7 +500,7 @@
           <a:p>
             <a:fld id="{503CAEEB-969E-40A2-99B6-BFCB3CC13052}" type="datetimeFigureOut">
               <a:rPr kumimoji="1" lang="ja-JP" altLang="en-US" smtClean="0"/>
-              <a:t>2021/4/21</a:t>
+              <a:t>2021/5/5</a:t>
             </a:fld>
             <a:endParaRPr kumimoji="1" lang="ja-JP" altLang="en-US"/>
           </a:p>
@@ -740,7 +740,7 @@
           <a:p>
             <a:fld id="{503CAEEB-969E-40A2-99B6-BFCB3CC13052}" type="datetimeFigureOut">
               <a:rPr kumimoji="1" lang="ja-JP" altLang="en-US" smtClean="0"/>
-              <a:t>2021/4/21</a:t>
+              <a:t>2021/5/5</a:t>
             </a:fld>
             <a:endParaRPr kumimoji="1" lang="ja-JP" altLang="en-US"/>
           </a:p>
@@ -970,7 +970,7 @@
           <a:p>
             <a:fld id="{503CAEEB-969E-40A2-99B6-BFCB3CC13052}" type="datetimeFigureOut">
               <a:rPr kumimoji="1" lang="ja-JP" altLang="en-US" smtClean="0"/>
-              <a:t>2021/4/21</a:t>
+              <a:t>2021/5/5</a:t>
             </a:fld>
             <a:endParaRPr kumimoji="1" lang="ja-JP" altLang="en-US"/>
           </a:p>
@@ -1245,7 +1245,7 @@
           <a:p>
             <a:fld id="{503CAEEB-969E-40A2-99B6-BFCB3CC13052}" type="datetimeFigureOut">
               <a:rPr kumimoji="1" lang="ja-JP" altLang="en-US" smtClean="0"/>
-              <a:t>2021/4/21</a:t>
+              <a:t>2021/5/5</a:t>
             </a:fld>
             <a:endParaRPr kumimoji="1" lang="ja-JP" altLang="en-US"/>
           </a:p>
@@ -1574,7 +1574,7 @@
           <a:p>
             <a:fld id="{503CAEEB-969E-40A2-99B6-BFCB3CC13052}" type="datetimeFigureOut">
               <a:rPr kumimoji="1" lang="ja-JP" altLang="en-US" smtClean="0"/>
-              <a:t>2021/4/21</a:t>
+              <a:t>2021/5/5</a:t>
             </a:fld>
             <a:endParaRPr kumimoji="1" lang="ja-JP" altLang="en-US"/>
           </a:p>
@@ -2050,7 +2050,7 @@
           <a:p>
             <a:fld id="{503CAEEB-969E-40A2-99B6-BFCB3CC13052}" type="datetimeFigureOut">
               <a:rPr kumimoji="1" lang="ja-JP" altLang="en-US" smtClean="0"/>
-              <a:t>2021/4/21</a:t>
+              <a:t>2021/5/5</a:t>
             </a:fld>
             <a:endParaRPr kumimoji="1" lang="ja-JP" altLang="en-US"/>
           </a:p>
@@ -2191,7 +2191,7 @@
           <a:p>
             <a:fld id="{503CAEEB-969E-40A2-99B6-BFCB3CC13052}" type="datetimeFigureOut">
               <a:rPr kumimoji="1" lang="ja-JP" altLang="en-US" smtClean="0"/>
-              <a:t>2021/4/21</a:t>
+              <a:t>2021/5/5</a:t>
             </a:fld>
             <a:endParaRPr kumimoji="1" lang="ja-JP" altLang="en-US"/>
           </a:p>
@@ -2304,7 +2304,7 @@
           <a:p>
             <a:fld id="{503CAEEB-969E-40A2-99B6-BFCB3CC13052}" type="datetimeFigureOut">
               <a:rPr kumimoji="1" lang="ja-JP" altLang="en-US" smtClean="0"/>
-              <a:t>2021/4/21</a:t>
+              <a:t>2021/5/5</a:t>
             </a:fld>
             <a:endParaRPr kumimoji="1" lang="ja-JP" altLang="en-US"/>
           </a:p>
@@ -2647,7 +2647,7 @@
           <a:p>
             <a:fld id="{503CAEEB-969E-40A2-99B6-BFCB3CC13052}" type="datetimeFigureOut">
               <a:rPr kumimoji="1" lang="ja-JP" altLang="en-US" smtClean="0"/>
-              <a:t>2021/4/21</a:t>
+              <a:t>2021/5/5</a:t>
             </a:fld>
             <a:endParaRPr kumimoji="1" lang="ja-JP" altLang="en-US"/>
           </a:p>
@@ -2935,7 +2935,7 @@
           <a:p>
             <a:fld id="{503CAEEB-969E-40A2-99B6-BFCB3CC13052}" type="datetimeFigureOut">
               <a:rPr kumimoji="1" lang="ja-JP" altLang="en-US" smtClean="0"/>
-              <a:t>2021/4/21</a:t>
+              <a:t>2021/5/5</a:t>
             </a:fld>
             <a:endParaRPr kumimoji="1" lang="ja-JP" altLang="en-US"/>
           </a:p>
@@ -3208,7 +3208,7 @@
           <a:p>
             <a:fld id="{503CAEEB-969E-40A2-99B6-BFCB3CC13052}" type="datetimeFigureOut">
               <a:rPr kumimoji="1" lang="ja-JP" altLang="en-US" smtClean="0"/>
-              <a:t>2021/4/21</a:t>
+              <a:t>2021/5/5</a:t>
             </a:fld>
             <a:endParaRPr kumimoji="1" lang="ja-JP" altLang="en-US"/>
           </a:p>
@@ -6433,8 +6433,8 @@
           <a:p>
             <a:pPr lvl="1"/>
             <a:r>
-              <a:rPr lang="ja-JP" altLang="en-US" dirty="0"/>
-              <a:t>ファイル名</a:t>
+              <a:rPr lang="ja-JP" altLang="en-US"/>
+              <a:t>ファイルパス</a:t>
             </a:r>
             <a:endParaRPr lang="en-US" altLang="ja-JP" dirty="0"/>
           </a:p>

--- a/doc/Clarityエンジン.pptx
+++ b/doc/Clarityエンジン.pptx
@@ -17,6 +17,7 @@
     <p:sldId id="265" r:id="rId11"/>
     <p:sldId id="266" r:id="rId12"/>
     <p:sldId id="267" r:id="rId13"/>
+    <p:sldId id="268" r:id="rId14"/>
   </p:sldIdLst>
   <p:sldSz cx="12192000" cy="6858000"/>
   <p:notesSz cx="6858000" cy="9144000"/>
@@ -270,7 +271,7 @@
           <a:p>
             <a:fld id="{503CAEEB-969E-40A2-99B6-BFCB3CC13052}" type="datetimeFigureOut">
               <a:rPr kumimoji="1" lang="ja-JP" altLang="en-US" smtClean="0"/>
-              <a:t>2021/5/5</a:t>
+              <a:t>2021/5/8</a:t>
             </a:fld>
             <a:endParaRPr kumimoji="1" lang="ja-JP" altLang="en-US"/>
           </a:p>
@@ -500,7 +501,7 @@
           <a:p>
             <a:fld id="{503CAEEB-969E-40A2-99B6-BFCB3CC13052}" type="datetimeFigureOut">
               <a:rPr kumimoji="1" lang="ja-JP" altLang="en-US" smtClean="0"/>
-              <a:t>2021/5/5</a:t>
+              <a:t>2021/5/8</a:t>
             </a:fld>
             <a:endParaRPr kumimoji="1" lang="ja-JP" altLang="en-US"/>
           </a:p>
@@ -740,7 +741,7 @@
           <a:p>
             <a:fld id="{503CAEEB-969E-40A2-99B6-BFCB3CC13052}" type="datetimeFigureOut">
               <a:rPr kumimoji="1" lang="ja-JP" altLang="en-US" smtClean="0"/>
-              <a:t>2021/5/5</a:t>
+              <a:t>2021/5/8</a:t>
             </a:fld>
             <a:endParaRPr kumimoji="1" lang="ja-JP" altLang="en-US"/>
           </a:p>
@@ -970,7 +971,7 @@
           <a:p>
             <a:fld id="{503CAEEB-969E-40A2-99B6-BFCB3CC13052}" type="datetimeFigureOut">
               <a:rPr kumimoji="1" lang="ja-JP" altLang="en-US" smtClean="0"/>
-              <a:t>2021/5/5</a:t>
+              <a:t>2021/5/8</a:t>
             </a:fld>
             <a:endParaRPr kumimoji="1" lang="ja-JP" altLang="en-US"/>
           </a:p>
@@ -1245,7 +1246,7 @@
           <a:p>
             <a:fld id="{503CAEEB-969E-40A2-99B6-BFCB3CC13052}" type="datetimeFigureOut">
               <a:rPr kumimoji="1" lang="ja-JP" altLang="en-US" smtClean="0"/>
-              <a:t>2021/5/5</a:t>
+              <a:t>2021/5/8</a:t>
             </a:fld>
             <a:endParaRPr kumimoji="1" lang="ja-JP" altLang="en-US"/>
           </a:p>
@@ -1574,7 +1575,7 @@
           <a:p>
             <a:fld id="{503CAEEB-969E-40A2-99B6-BFCB3CC13052}" type="datetimeFigureOut">
               <a:rPr kumimoji="1" lang="ja-JP" altLang="en-US" smtClean="0"/>
-              <a:t>2021/5/5</a:t>
+              <a:t>2021/5/8</a:t>
             </a:fld>
             <a:endParaRPr kumimoji="1" lang="ja-JP" altLang="en-US"/>
           </a:p>
@@ -2050,7 +2051,7 @@
           <a:p>
             <a:fld id="{503CAEEB-969E-40A2-99B6-BFCB3CC13052}" type="datetimeFigureOut">
               <a:rPr kumimoji="1" lang="ja-JP" altLang="en-US" smtClean="0"/>
-              <a:t>2021/5/5</a:t>
+              <a:t>2021/5/8</a:t>
             </a:fld>
             <a:endParaRPr kumimoji="1" lang="ja-JP" altLang="en-US"/>
           </a:p>
@@ -2191,7 +2192,7 @@
           <a:p>
             <a:fld id="{503CAEEB-969E-40A2-99B6-BFCB3CC13052}" type="datetimeFigureOut">
               <a:rPr kumimoji="1" lang="ja-JP" altLang="en-US" smtClean="0"/>
-              <a:t>2021/5/5</a:t>
+              <a:t>2021/5/8</a:t>
             </a:fld>
             <a:endParaRPr kumimoji="1" lang="ja-JP" altLang="en-US"/>
           </a:p>
@@ -2304,7 +2305,7 @@
           <a:p>
             <a:fld id="{503CAEEB-969E-40A2-99B6-BFCB3CC13052}" type="datetimeFigureOut">
               <a:rPr kumimoji="1" lang="ja-JP" altLang="en-US" smtClean="0"/>
-              <a:t>2021/5/5</a:t>
+              <a:t>2021/5/8</a:t>
             </a:fld>
             <a:endParaRPr kumimoji="1" lang="ja-JP" altLang="en-US"/>
           </a:p>
@@ -2647,7 +2648,7 @@
           <a:p>
             <a:fld id="{503CAEEB-969E-40A2-99B6-BFCB3CC13052}" type="datetimeFigureOut">
               <a:rPr kumimoji="1" lang="ja-JP" altLang="en-US" smtClean="0"/>
-              <a:t>2021/5/5</a:t>
+              <a:t>2021/5/8</a:t>
             </a:fld>
             <a:endParaRPr kumimoji="1" lang="ja-JP" altLang="en-US"/>
           </a:p>
@@ -2935,7 +2936,7 @@
           <a:p>
             <a:fld id="{503CAEEB-969E-40A2-99B6-BFCB3CC13052}" type="datetimeFigureOut">
               <a:rPr kumimoji="1" lang="ja-JP" altLang="en-US" smtClean="0"/>
-              <a:t>2021/5/5</a:t>
+              <a:t>2021/5/8</a:t>
             </a:fld>
             <a:endParaRPr kumimoji="1" lang="ja-JP" altLang="en-US"/>
           </a:p>
@@ -3208,7 +3209,7 @@
           <a:p>
             <a:fld id="{503CAEEB-969E-40A2-99B6-BFCB3CC13052}" type="datetimeFigureOut">
               <a:rPr kumimoji="1" lang="ja-JP" altLang="en-US" smtClean="0"/>
-              <a:t>2021/5/5</a:t>
+              <a:t>2021/5/8</a:t>
             </a:fld>
             <a:endParaRPr kumimoji="1" lang="ja-JP" altLang="en-US"/>
           </a:p>
@@ -4446,6 +4447,239 @@
 </p:sld>
 </file>
 
+<file path=ppt/slides/slide13.xml><?xml version="1.0" encoding="utf-8"?>
+<p:sld xmlns:a="http://schemas.openxmlformats.org/drawingml/2006/main" xmlns:r="http://schemas.openxmlformats.org/officeDocument/2006/relationships" xmlns:p="http://schemas.openxmlformats.org/presentationml/2006/main">
+  <p:cSld>
+    <p:spTree>
+      <p:nvGrpSpPr>
+        <p:cNvPr id="1" name=""/>
+        <p:cNvGrpSpPr/>
+        <p:nvPr/>
+      </p:nvGrpSpPr>
+      <p:grpSpPr>
+        <a:xfrm>
+          <a:off x="0" y="0"/>
+          <a:ext cx="0" cy="0"/>
+          <a:chOff x="0" y="0"/>
+          <a:chExt cx="0" cy="0"/>
+        </a:xfrm>
+      </p:grpSpPr>
+      <p:sp>
+        <p:nvSpPr>
+          <p:cNvPr id="2" name="タイトル 1">
+            <a:extLst>
+              <a:ext uri="{FF2B5EF4-FFF2-40B4-BE49-F238E27FC236}">
+                <a16:creationId xmlns:a16="http://schemas.microsoft.com/office/drawing/2014/main" id="{C1A38BEF-E381-4DDC-8D8D-A349F1353C74}"/>
+              </a:ext>
+            </a:extLst>
+          </p:cNvPr>
+          <p:cNvSpPr>
+            <a:spLocks noGrp="1"/>
+          </p:cNvSpPr>
+          <p:nvPr>
+            <p:ph type="title"/>
+          </p:nvPr>
+        </p:nvSpPr>
+        <p:spPr/>
+        <p:txBody>
+          <a:bodyPr/>
+          <a:lstStyle/>
+          <a:p>
+            <a:r>
+              <a:rPr kumimoji="1" lang="ja-JP" altLang="en-US" dirty="0"/>
+              <a:t>汎用ユーザー設定ファイル仕様</a:t>
+            </a:r>
+          </a:p>
+        </p:txBody>
+      </p:sp>
+      <p:sp>
+        <p:nvSpPr>
+          <p:cNvPr id="3" name="コンテンツ プレースホルダー 2">
+            <a:extLst>
+              <a:ext uri="{FF2B5EF4-FFF2-40B4-BE49-F238E27FC236}">
+                <a16:creationId xmlns:a16="http://schemas.microsoft.com/office/drawing/2014/main" id="{1E375118-3DDC-4C20-985C-B53A2121E950}"/>
+              </a:ext>
+            </a:extLst>
+          </p:cNvPr>
+          <p:cNvSpPr>
+            <a:spLocks noGrp="1"/>
+          </p:cNvSpPr>
+          <p:nvPr>
+            <p:ph idx="1"/>
+          </p:nvPr>
+        </p:nvSpPr>
+        <p:spPr/>
+        <p:txBody>
+          <a:bodyPr>
+            <a:normAutofit fontScale="70000" lnSpcReduction="20000"/>
+          </a:bodyPr>
+          <a:lstStyle/>
+          <a:p>
+            <a:r>
+              <a:rPr kumimoji="1" lang="ja-JP" altLang="en-US" dirty="0"/>
+              <a:t>汎用的に使用できるユーザー設定ファイルを作成し、</a:t>
+            </a:r>
+            <a:r>
+              <a:rPr lang="ja-JP" altLang="en-US" dirty="0"/>
+              <a:t>ゲームの設定変更を気がるに行えるようにする</a:t>
+            </a:r>
+            <a:endParaRPr lang="en-US" altLang="ja-JP" dirty="0"/>
+          </a:p>
+          <a:p>
+            <a:r>
+              <a:rPr kumimoji="1" lang="ja-JP" altLang="en-US" dirty="0"/>
+              <a:t>ファイル仕様は</a:t>
+            </a:r>
+            <a:r>
+              <a:rPr kumimoji="1" lang="en-US" altLang="ja-JP" dirty="0"/>
+              <a:t>csv</a:t>
+            </a:r>
+            <a:r>
+              <a:rPr kumimoji="1" lang="ja-JP" altLang="en-US" dirty="0"/>
+              <a:t>形式で以下の予定</a:t>
+            </a:r>
+            <a:endParaRPr kumimoji="1" lang="en-US" altLang="ja-JP" dirty="0"/>
+          </a:p>
+          <a:p>
+            <a:pPr lvl="1"/>
+            <a:r>
+              <a:rPr kumimoji="1" lang="ja-JP" altLang="en-US" dirty="0"/>
+              <a:t>コード</a:t>
+            </a:r>
+            <a:endParaRPr kumimoji="1" lang="en-US" altLang="ja-JP" dirty="0"/>
+          </a:p>
+          <a:p>
+            <a:pPr lvl="1"/>
+            <a:r>
+              <a:rPr kumimoji="1" lang="ja-JP" altLang="en-US" dirty="0"/>
+              <a:t>データコード</a:t>
+            </a:r>
+            <a:endParaRPr kumimoji="1" lang="en-US" altLang="ja-JP" dirty="0"/>
+          </a:p>
+          <a:p>
+            <a:pPr lvl="2"/>
+            <a:r>
+              <a:rPr lang="ja-JP" altLang="en-US" dirty="0"/>
+              <a:t>データコードは以下とし、大文字小文字を区別しない</a:t>
+            </a:r>
+            <a:endParaRPr lang="en-US" altLang="ja-JP" dirty="0"/>
+          </a:p>
+          <a:p>
+            <a:pPr lvl="2"/>
+            <a:r>
+              <a:rPr lang="en-US" altLang="ja-JP" dirty="0"/>
+              <a:t>int</a:t>
+            </a:r>
+          </a:p>
+          <a:p>
+            <a:pPr lvl="2"/>
+            <a:r>
+              <a:rPr kumimoji="1" lang="en-US" altLang="ja-JP" dirty="0"/>
+              <a:t>float</a:t>
+            </a:r>
+          </a:p>
+          <a:p>
+            <a:pPr lvl="2"/>
+            <a:r>
+              <a:rPr lang="en-US" altLang="ja-JP" dirty="0"/>
+              <a:t>vec2</a:t>
+            </a:r>
+          </a:p>
+          <a:p>
+            <a:pPr lvl="2"/>
+            <a:r>
+              <a:rPr lang="en-US" altLang="ja-JP"/>
+              <a:t>vec3</a:t>
+            </a:r>
+            <a:endParaRPr lang="en-US" altLang="ja-JP" dirty="0"/>
+          </a:p>
+          <a:p>
+            <a:pPr lvl="2"/>
+            <a:r>
+              <a:rPr kumimoji="1" lang="en-US" altLang="ja-JP" dirty="0"/>
+              <a:t>string</a:t>
+            </a:r>
+          </a:p>
+          <a:p>
+            <a:pPr lvl="2"/>
+            <a:r>
+              <a:rPr lang="en-US" altLang="ja-JP" dirty="0"/>
+              <a:t>array</a:t>
+            </a:r>
+          </a:p>
+          <a:p>
+            <a:pPr lvl="1"/>
+            <a:r>
+              <a:rPr lang="ja-JP" altLang="en-US" dirty="0"/>
+              <a:t>値</a:t>
+            </a:r>
+            <a:endParaRPr lang="en-US" altLang="ja-JP" dirty="0"/>
+          </a:p>
+          <a:p>
+            <a:r>
+              <a:rPr lang="ja-JP" altLang="en-US" dirty="0"/>
+              <a:t>データコード</a:t>
+            </a:r>
+            <a:r>
+              <a:rPr lang="en-US" altLang="ja-JP" dirty="0"/>
+              <a:t>array</a:t>
+            </a:r>
+            <a:r>
+              <a:rPr lang="ja-JP" altLang="en-US" dirty="0"/>
+              <a:t>の場合は値の場所は以下に変化する</a:t>
+            </a:r>
+            <a:endParaRPr lang="en-US" altLang="ja-JP" dirty="0"/>
+          </a:p>
+          <a:p>
+            <a:pPr lvl="1"/>
+            <a:r>
+              <a:rPr lang="ja-JP" altLang="en-US" dirty="0"/>
+              <a:t>データ数</a:t>
+            </a:r>
+            <a:endParaRPr lang="en-US" altLang="ja-JP" dirty="0"/>
+          </a:p>
+          <a:p>
+            <a:pPr lvl="1"/>
+            <a:r>
+              <a:rPr lang="ja-JP" altLang="en-US" dirty="0"/>
+              <a:t>データコード</a:t>
+            </a:r>
+            <a:endParaRPr lang="en-US" altLang="ja-JP" dirty="0"/>
+          </a:p>
+          <a:p>
+            <a:pPr lvl="1"/>
+            <a:r>
+              <a:rPr lang="ja-JP" altLang="en-US" dirty="0"/>
+              <a:t>値</a:t>
+            </a:r>
+            <a:r>
+              <a:rPr lang="en-US" altLang="ja-JP" dirty="0"/>
+              <a:t>….</a:t>
+            </a:r>
+          </a:p>
+          <a:p>
+            <a:pPr lvl="1"/>
+            <a:endParaRPr lang="en-US" altLang="ja-JP" dirty="0"/>
+          </a:p>
+          <a:p>
+            <a:pPr lvl="1"/>
+            <a:endParaRPr kumimoji="1" lang="en-US" altLang="ja-JP" dirty="0"/>
+          </a:p>
+        </p:txBody>
+      </p:sp>
+    </p:spTree>
+    <p:extLst>
+      <p:ext uri="{BB962C8B-B14F-4D97-AF65-F5344CB8AC3E}">
+        <p14:creationId xmlns:p14="http://schemas.microsoft.com/office/powerpoint/2010/main" val="3823378863"/>
+      </p:ext>
+    </p:extLst>
+  </p:cSld>
+  <p:clrMapOvr>
+    <a:masterClrMapping/>
+  </p:clrMapOvr>
+</p:sld>
+</file>
+
 <file path=ppt/slides/slide2.xml><?xml version="1.0" encoding="utf-8"?>
 <p:sld xmlns:a="http://schemas.openxmlformats.org/drawingml/2006/main" xmlns:r="http://schemas.openxmlformats.org/officeDocument/2006/relationships" xmlns:p="http://schemas.openxmlformats.org/presentationml/2006/main">
   <p:cSld>

--- a/doc/Clarityエンジン.pptx
+++ b/doc/Clarityエンジン.pptx
@@ -8,16 +8,17 @@
     <p:sldId id="256" r:id="rId2"/>
     <p:sldId id="258" r:id="rId3"/>
     <p:sldId id="259" r:id="rId4"/>
-    <p:sldId id="257" r:id="rId5"/>
-    <p:sldId id="260" r:id="rId6"/>
-    <p:sldId id="261" r:id="rId7"/>
-    <p:sldId id="262" r:id="rId8"/>
-    <p:sldId id="263" r:id="rId9"/>
-    <p:sldId id="264" r:id="rId10"/>
-    <p:sldId id="265" r:id="rId11"/>
-    <p:sldId id="266" r:id="rId12"/>
-    <p:sldId id="267" r:id="rId13"/>
-    <p:sldId id="268" r:id="rId14"/>
+    <p:sldId id="269" r:id="rId5"/>
+    <p:sldId id="257" r:id="rId6"/>
+    <p:sldId id="260" r:id="rId7"/>
+    <p:sldId id="261" r:id="rId8"/>
+    <p:sldId id="262" r:id="rId9"/>
+    <p:sldId id="263" r:id="rId10"/>
+    <p:sldId id="264" r:id="rId11"/>
+    <p:sldId id="265" r:id="rId12"/>
+    <p:sldId id="266" r:id="rId13"/>
+    <p:sldId id="267" r:id="rId14"/>
+    <p:sldId id="268" r:id="rId15"/>
   </p:sldIdLst>
   <p:sldSz cx="12192000" cy="6858000"/>
   <p:notesSz cx="6858000" cy="9144000"/>
@@ -271,7 +272,7 @@
           <a:p>
             <a:fld id="{503CAEEB-969E-40A2-99B6-BFCB3CC13052}" type="datetimeFigureOut">
               <a:rPr kumimoji="1" lang="ja-JP" altLang="en-US" smtClean="0"/>
-              <a:t>2021/5/8</a:t>
+              <a:t>2022/1/10</a:t>
             </a:fld>
             <a:endParaRPr kumimoji="1" lang="ja-JP" altLang="en-US"/>
           </a:p>
@@ -501,7 +502,7 @@
           <a:p>
             <a:fld id="{503CAEEB-969E-40A2-99B6-BFCB3CC13052}" type="datetimeFigureOut">
               <a:rPr kumimoji="1" lang="ja-JP" altLang="en-US" smtClean="0"/>
-              <a:t>2021/5/8</a:t>
+              <a:t>2022/1/10</a:t>
             </a:fld>
             <a:endParaRPr kumimoji="1" lang="ja-JP" altLang="en-US"/>
           </a:p>
@@ -741,7 +742,7 @@
           <a:p>
             <a:fld id="{503CAEEB-969E-40A2-99B6-BFCB3CC13052}" type="datetimeFigureOut">
               <a:rPr kumimoji="1" lang="ja-JP" altLang="en-US" smtClean="0"/>
-              <a:t>2021/5/8</a:t>
+              <a:t>2022/1/10</a:t>
             </a:fld>
             <a:endParaRPr kumimoji="1" lang="ja-JP" altLang="en-US"/>
           </a:p>
@@ -971,7 +972,7 @@
           <a:p>
             <a:fld id="{503CAEEB-969E-40A2-99B6-BFCB3CC13052}" type="datetimeFigureOut">
               <a:rPr kumimoji="1" lang="ja-JP" altLang="en-US" smtClean="0"/>
-              <a:t>2021/5/8</a:t>
+              <a:t>2022/1/10</a:t>
             </a:fld>
             <a:endParaRPr kumimoji="1" lang="ja-JP" altLang="en-US"/>
           </a:p>
@@ -1246,7 +1247,7 @@
           <a:p>
             <a:fld id="{503CAEEB-969E-40A2-99B6-BFCB3CC13052}" type="datetimeFigureOut">
               <a:rPr kumimoji="1" lang="ja-JP" altLang="en-US" smtClean="0"/>
-              <a:t>2021/5/8</a:t>
+              <a:t>2022/1/10</a:t>
             </a:fld>
             <a:endParaRPr kumimoji="1" lang="ja-JP" altLang="en-US"/>
           </a:p>
@@ -1575,7 +1576,7 @@
           <a:p>
             <a:fld id="{503CAEEB-969E-40A2-99B6-BFCB3CC13052}" type="datetimeFigureOut">
               <a:rPr kumimoji="1" lang="ja-JP" altLang="en-US" smtClean="0"/>
-              <a:t>2021/5/8</a:t>
+              <a:t>2022/1/10</a:t>
             </a:fld>
             <a:endParaRPr kumimoji="1" lang="ja-JP" altLang="en-US"/>
           </a:p>
@@ -2051,7 +2052,7 @@
           <a:p>
             <a:fld id="{503CAEEB-969E-40A2-99B6-BFCB3CC13052}" type="datetimeFigureOut">
               <a:rPr kumimoji="1" lang="ja-JP" altLang="en-US" smtClean="0"/>
-              <a:t>2021/5/8</a:t>
+              <a:t>2022/1/10</a:t>
             </a:fld>
             <a:endParaRPr kumimoji="1" lang="ja-JP" altLang="en-US"/>
           </a:p>
@@ -2192,7 +2193,7 @@
           <a:p>
             <a:fld id="{503CAEEB-969E-40A2-99B6-BFCB3CC13052}" type="datetimeFigureOut">
               <a:rPr kumimoji="1" lang="ja-JP" altLang="en-US" smtClean="0"/>
-              <a:t>2021/5/8</a:t>
+              <a:t>2022/1/10</a:t>
             </a:fld>
             <a:endParaRPr kumimoji="1" lang="ja-JP" altLang="en-US"/>
           </a:p>
@@ -2305,7 +2306,7 @@
           <a:p>
             <a:fld id="{503CAEEB-969E-40A2-99B6-BFCB3CC13052}" type="datetimeFigureOut">
               <a:rPr kumimoji="1" lang="ja-JP" altLang="en-US" smtClean="0"/>
-              <a:t>2021/5/8</a:t>
+              <a:t>2022/1/10</a:t>
             </a:fld>
             <a:endParaRPr kumimoji="1" lang="ja-JP" altLang="en-US"/>
           </a:p>
@@ -2648,7 +2649,7 @@
           <a:p>
             <a:fld id="{503CAEEB-969E-40A2-99B6-BFCB3CC13052}" type="datetimeFigureOut">
               <a:rPr kumimoji="1" lang="ja-JP" altLang="en-US" smtClean="0"/>
-              <a:t>2021/5/8</a:t>
+              <a:t>2022/1/10</a:t>
             </a:fld>
             <a:endParaRPr kumimoji="1" lang="ja-JP" altLang="en-US"/>
           </a:p>
@@ -2936,7 +2937,7 @@
           <a:p>
             <a:fld id="{503CAEEB-969E-40A2-99B6-BFCB3CC13052}" type="datetimeFigureOut">
               <a:rPr kumimoji="1" lang="ja-JP" altLang="en-US" smtClean="0"/>
-              <a:t>2021/5/8</a:t>
+              <a:t>2022/1/10</a:t>
             </a:fld>
             <a:endParaRPr kumimoji="1" lang="ja-JP" altLang="en-US"/>
           </a:p>
@@ -3209,7 +3210,7 @@
           <a:p>
             <a:fld id="{503CAEEB-969E-40A2-99B6-BFCB3CC13052}" type="datetimeFigureOut">
               <a:rPr kumimoji="1" lang="ja-JP" altLang="en-US" smtClean="0"/>
-              <a:t>2021/5/8</a:t>
+              <a:t>2022/1/10</a:t>
             </a:fld>
             <a:endParaRPr kumimoji="1" lang="ja-JP" altLang="en-US"/>
           </a:p>
@@ -3688,6 +3689,18 @@
               <a:rPr kumimoji="1" lang="ja-JP" altLang="en-US" dirty="0"/>
               <a:t>開発開始</a:t>
             </a:r>
+            <a:endParaRPr kumimoji="1" lang="en-US" altLang="ja-JP" dirty="0"/>
+          </a:p>
+          <a:p>
+            <a:r>
+              <a:rPr lang="en-US" altLang="ja-JP" dirty="0"/>
+              <a:t>21/1/9</a:t>
+            </a:r>
+            <a:r>
+              <a:rPr lang="ja-JP" altLang="en-US" dirty="0"/>
+              <a:t> 大幅改訂</a:t>
+            </a:r>
+            <a:endParaRPr kumimoji="1" lang="ja-JP" altLang="en-US" dirty="0"/>
           </a:p>
         </p:txBody>
       </p:sp>
@@ -3726,7 +3739,7 @@
           <p:cNvPr id="2" name="タイトル 1">
             <a:extLst>
               <a:ext uri="{FF2B5EF4-FFF2-40B4-BE49-F238E27FC236}">
-                <a16:creationId xmlns:a16="http://schemas.microsoft.com/office/drawing/2014/main" id="{B76CB7FD-CAAC-4D23-B7EE-10E3E784F9A6}"/>
+                <a16:creationId xmlns:a16="http://schemas.microsoft.com/office/drawing/2014/main" id="{1AC4FE54-35CE-47DE-B50C-7A8AF6800281}"/>
               </a:ext>
             </a:extLst>
           </p:cNvPr>
@@ -3743,115 +3756,169 @@
           <a:lstStyle/>
           <a:p>
             <a:r>
+              <a:rPr kumimoji="1" lang="ja-JP" altLang="en-US" dirty="0"/>
+              <a:t>読み込みテクスチャ一覧ファイル</a:t>
+            </a:r>
+          </a:p>
+        </p:txBody>
+      </p:sp>
+      <p:sp>
+        <p:nvSpPr>
+          <p:cNvPr id="3" name="コンテンツ プレースホルダー 2">
+            <a:extLst>
+              <a:ext uri="{FF2B5EF4-FFF2-40B4-BE49-F238E27FC236}">
+                <a16:creationId xmlns:a16="http://schemas.microsoft.com/office/drawing/2014/main" id="{185C1475-D7E7-41CC-A499-AA440D9D99A6}"/>
+              </a:ext>
+            </a:extLst>
+          </p:cNvPr>
+          <p:cNvSpPr>
+            <a:spLocks noGrp="1"/>
+          </p:cNvSpPr>
+          <p:nvPr>
+            <p:ph idx="1"/>
+          </p:nvPr>
+        </p:nvSpPr>
+        <p:spPr/>
+        <p:txBody>
+          <a:bodyPr>
+            <a:normAutofit lnSpcReduction="10000"/>
+          </a:bodyPr>
+          <a:lstStyle/>
+          <a:p>
+            <a:r>
+              <a:rPr kumimoji="1" lang="ja-JP" altLang="en-US" dirty="0"/>
+              <a:t>読み込みを行うテクスチャ画像一覧が記されている。</a:t>
+            </a:r>
+            <a:endParaRPr kumimoji="1" lang="en-US" altLang="ja-JP" dirty="0"/>
+          </a:p>
+          <a:p>
+            <a:r>
+              <a:rPr lang="ja-JP" altLang="en-US" dirty="0"/>
+              <a:t>仕様は以下である。</a:t>
+            </a:r>
+            <a:endParaRPr lang="en-US" altLang="ja-JP" dirty="0"/>
+          </a:p>
+          <a:p>
+            <a:pPr lvl="1"/>
+            <a:r>
+              <a:rPr lang="ja-JP" altLang="en-US" dirty="0"/>
+              <a:t>一行目は</a:t>
+            </a:r>
+            <a:r>
+              <a:rPr lang="en-US" altLang="ja-JP" dirty="0" err="1"/>
+              <a:t>RootID</a:t>
+            </a:r>
+            <a:r>
+              <a:rPr lang="en-US" altLang="ja-JP" dirty="0"/>
+              <a:t> </a:t>
+            </a:r>
+            <a:r>
+              <a:rPr lang="ja-JP" altLang="en-US" dirty="0"/>
+              <a:t>以後</a:t>
+            </a:r>
+            <a:endParaRPr lang="en-US" altLang="ja-JP" dirty="0"/>
+          </a:p>
+          <a:p>
+            <a:pPr lvl="1"/>
+            <a:r>
+              <a:rPr lang="ja-JP" altLang="en-US"/>
+              <a:t>ファイルパス</a:t>
+            </a:r>
+            <a:endParaRPr lang="en-US" altLang="ja-JP" dirty="0"/>
+          </a:p>
+          <a:p>
+            <a:pPr lvl="1"/>
+            <a:r>
+              <a:rPr kumimoji="1" lang="ja-JP" altLang="en-US" dirty="0"/>
+              <a:t>透過色</a:t>
+            </a:r>
+            <a:r>
               <a:rPr kumimoji="1" lang="en-US" altLang="ja-JP" dirty="0"/>
-              <a:t>Shader</a:t>
+              <a:t>(-1</a:t>
             </a:r>
             <a:r>
               <a:rPr kumimoji="1" lang="ja-JP" altLang="en-US" dirty="0"/>
-              <a:t>一覧ファイル</a:t>
-            </a:r>
-          </a:p>
-        </p:txBody>
-      </p:sp>
-      <p:sp>
-        <p:nvSpPr>
-          <p:cNvPr id="3" name="コンテンツ プレースホルダー 2">
-            <a:extLst>
-              <a:ext uri="{FF2B5EF4-FFF2-40B4-BE49-F238E27FC236}">
-                <a16:creationId xmlns:a16="http://schemas.microsoft.com/office/drawing/2014/main" id="{734AD033-32F5-4387-9446-8D502DFA879B}"/>
-              </a:ext>
-            </a:extLst>
-          </p:cNvPr>
-          <p:cNvSpPr>
-            <a:spLocks noGrp="1"/>
-          </p:cNvSpPr>
-          <p:nvPr>
-            <p:ph idx="1"/>
-          </p:nvPr>
-        </p:nvSpPr>
-        <p:spPr/>
-        <p:txBody>
-          <a:bodyPr/>
-          <a:lstStyle/>
-          <a:p>
-            <a:r>
-              <a:rPr lang="ja-JP" altLang="en-US" dirty="0"/>
-              <a:t>使用する</a:t>
+              <a:t>で</a:t>
+            </a:r>
+            <a:r>
+              <a:rPr lang="ja-JP" altLang="en-US" dirty="0"/>
+              <a:t>透過色なし</a:t>
+            </a:r>
+            <a:r>
+              <a:rPr kumimoji="1" lang="en-US" altLang="ja-JP" dirty="0"/>
+              <a:t>)</a:t>
+            </a:r>
+          </a:p>
+          <a:p>
+            <a:pPr lvl="1"/>
+            <a:r>
+              <a:rPr lang="ja-JP" altLang="en-US" dirty="0"/>
+              <a:t>画像最大数</a:t>
             </a:r>
             <a:r>
               <a:rPr lang="en-US" altLang="ja-JP" dirty="0"/>
-              <a:t>Shader</a:t>
-            </a:r>
-            <a:r>
-              <a:rPr lang="ja-JP" altLang="en-US" dirty="0"/>
-              <a:t>の一式を定義したものである</a:t>
+              <a:t>X</a:t>
+            </a:r>
+          </a:p>
+          <a:p>
+            <a:pPr lvl="1"/>
+            <a:r>
+              <a:rPr lang="ja-JP" altLang="en-US" dirty="0"/>
+              <a:t>画像</a:t>
+            </a:r>
+            <a:r>
+              <a:rPr kumimoji="1" lang="ja-JP" altLang="en-US" dirty="0"/>
+              <a:t>最大数</a:t>
+            </a:r>
+            <a:r>
+              <a:rPr kumimoji="1" lang="en-US" altLang="ja-JP" dirty="0"/>
+              <a:t>Y</a:t>
+            </a:r>
+          </a:p>
+          <a:p>
+            <a:r>
+              <a:rPr kumimoji="1" lang="ja-JP" altLang="en-US" dirty="0"/>
+              <a:t>ファイル名（拡張子無し）がコード名となる</a:t>
+            </a:r>
+            <a:endParaRPr kumimoji="1" lang="en-US" altLang="ja-JP" dirty="0"/>
+          </a:p>
+          <a:p>
+            <a:r>
+              <a:rPr lang="ja-JP" altLang="en-US" dirty="0"/>
+              <a:t>画像最大数</a:t>
+            </a:r>
+            <a:r>
+              <a:rPr lang="en-US" altLang="ja-JP" dirty="0"/>
+              <a:t>XY</a:t>
+            </a:r>
+            <a:r>
+              <a:rPr lang="ja-JP" altLang="en-US" dirty="0"/>
+              <a:t>はｱﾆﾒ用、一枚の画像に四つの横に並んで登録されている場合、画像最大数</a:t>
+            </a:r>
+            <a:r>
+              <a:rPr lang="en-US" altLang="ja-JP" dirty="0"/>
+              <a:t>X=4</a:t>
+            </a:r>
+            <a:r>
+              <a:rPr lang="ja-JP" altLang="en-US" dirty="0"/>
+              <a:t>画像最大数</a:t>
+            </a:r>
+            <a:r>
+              <a:rPr lang="en-US" altLang="ja-JP" dirty="0"/>
+              <a:t>Y=1</a:t>
+            </a:r>
+            <a:r>
+              <a:rPr lang="ja-JP" altLang="en-US" dirty="0"/>
+              <a:t>、と指定</a:t>
             </a:r>
             <a:endParaRPr lang="en-US" altLang="ja-JP" dirty="0"/>
-          </a:p>
-          <a:p>
-            <a:r>
-              <a:rPr kumimoji="1" lang="ja-JP" altLang="en-US" dirty="0"/>
-              <a:t>仕様は以下である</a:t>
-            </a:r>
-            <a:endParaRPr kumimoji="1" lang="en-US" altLang="ja-JP" dirty="0"/>
-          </a:p>
-          <a:p>
-            <a:pPr lvl="1"/>
-            <a:r>
-              <a:rPr kumimoji="1" lang="en-US" altLang="ja-JP" dirty="0"/>
-              <a:t>ID</a:t>
-            </a:r>
-          </a:p>
-          <a:p>
-            <a:pPr lvl="1"/>
-            <a:r>
-              <a:rPr lang="ja-JP" altLang="en-US" dirty="0"/>
-              <a:t>読み込み</a:t>
-            </a:r>
-            <a:r>
-              <a:rPr lang="en-US" altLang="ja-JP" dirty="0"/>
-              <a:t>Shader</a:t>
-            </a:r>
-            <a:r>
-              <a:rPr lang="ja-JP" altLang="en-US" dirty="0"/>
-              <a:t>ファイルパス</a:t>
-            </a:r>
-            <a:endParaRPr lang="en-US" altLang="ja-JP" dirty="0"/>
-          </a:p>
-          <a:p>
-            <a:pPr lvl="1"/>
-            <a:r>
-              <a:rPr lang="en-US" altLang="ja-JP" dirty="0" err="1"/>
-              <a:t>VertexShader</a:t>
-            </a:r>
-            <a:r>
-              <a:rPr lang="ja-JP" altLang="en-US" dirty="0"/>
-              <a:t>関数名</a:t>
-            </a:r>
-            <a:endParaRPr lang="en-US" altLang="ja-JP" dirty="0"/>
-          </a:p>
-          <a:p>
-            <a:pPr lvl="1"/>
-            <a:r>
-              <a:rPr lang="en-US" altLang="ja-JP" dirty="0" err="1"/>
-              <a:t>PixelShader</a:t>
-            </a:r>
-            <a:r>
-              <a:rPr lang="ja-JP" altLang="en-US" dirty="0"/>
-              <a:t>関数名</a:t>
-            </a:r>
-            <a:endParaRPr lang="en-US" altLang="ja-JP" dirty="0"/>
-          </a:p>
-          <a:p>
-            <a:pPr lvl="1"/>
-            <a:endParaRPr kumimoji="1" lang="ja-JP" altLang="en-US" dirty="0"/>
           </a:p>
         </p:txBody>
       </p:sp>
     </p:spTree>
     <p:extLst>
       <p:ext uri="{BB962C8B-B14F-4D97-AF65-F5344CB8AC3E}">
-        <p14:creationId xmlns:p14="http://schemas.microsoft.com/office/powerpoint/2010/main" val="2876800265"/>
+        <p14:creationId xmlns:p14="http://schemas.microsoft.com/office/powerpoint/2010/main" val="1538356789"/>
       </p:ext>
     </p:extLst>
   </p:cSld>
@@ -3883,7 +3950,7 @@
           <p:cNvPr id="2" name="タイトル 1">
             <a:extLst>
               <a:ext uri="{FF2B5EF4-FFF2-40B4-BE49-F238E27FC236}">
-                <a16:creationId xmlns:a16="http://schemas.microsoft.com/office/drawing/2014/main" id="{90692217-C234-4153-B44C-4DBDB085DD9D}"/>
+                <a16:creationId xmlns:a16="http://schemas.microsoft.com/office/drawing/2014/main" id="{B76CB7FD-CAAC-4D23-B7EE-10E3E784F9A6}"/>
               </a:ext>
             </a:extLst>
           </p:cNvPr>
@@ -3900,10 +3967,13 @@
           <a:lstStyle/>
           <a:p>
             <a:r>
-              <a:rPr lang="ja-JP" altLang="en-US" dirty="0"/>
-              <a:t>テクスチャアニメーションファイル仕様</a:t>
-            </a:r>
-            <a:endParaRPr kumimoji="1" lang="ja-JP" altLang="en-US" dirty="0"/>
+              <a:rPr kumimoji="1" lang="en-US" altLang="ja-JP" dirty="0"/>
+              <a:t>Shader</a:t>
+            </a:r>
+            <a:r>
+              <a:rPr kumimoji="1" lang="ja-JP" altLang="en-US" dirty="0"/>
+              <a:t>一覧ファイル</a:t>
+            </a:r>
           </a:p>
         </p:txBody>
       </p:sp>
@@ -3912,7 +3982,7 @@
           <p:cNvPr id="3" name="コンテンツ プレースホルダー 2">
             <a:extLst>
               <a:ext uri="{FF2B5EF4-FFF2-40B4-BE49-F238E27FC236}">
-                <a16:creationId xmlns:a16="http://schemas.microsoft.com/office/drawing/2014/main" id="{7B687065-F349-4D8E-8FB6-670DD28D827B}"/>
+                <a16:creationId xmlns:a16="http://schemas.microsoft.com/office/drawing/2014/main" id="{734AD033-32F5-4387-9446-8D502DFA879B}"/>
               </a:ext>
             </a:extLst>
           </p:cNvPr>
@@ -3925,243 +3995,79 @@
         </p:nvSpPr>
         <p:spPr/>
         <p:txBody>
-          <a:bodyPr>
-            <a:normAutofit fontScale="85000" lnSpcReduction="20000"/>
-          </a:bodyPr>
-          <a:lstStyle/>
-          <a:p>
-            <a:r>
-              <a:rPr kumimoji="1" lang="en-US" altLang="ja-JP" dirty="0"/>
-              <a:t>xml</a:t>
-            </a:r>
+          <a:bodyPr/>
+          <a:lstStyle/>
+          <a:p>
+            <a:r>
+              <a:rPr lang="ja-JP" altLang="en-US" dirty="0"/>
+              <a:t>使用する</a:t>
+            </a:r>
+            <a:r>
+              <a:rPr lang="en-US" altLang="ja-JP" dirty="0"/>
+              <a:t>Shader</a:t>
+            </a:r>
+            <a:r>
+              <a:rPr lang="ja-JP" altLang="en-US" dirty="0"/>
+              <a:t>の一式を定義したものである</a:t>
+            </a:r>
+            <a:endParaRPr lang="en-US" altLang="ja-JP" dirty="0"/>
+          </a:p>
+          <a:p>
             <a:r>
               <a:rPr kumimoji="1" lang="ja-JP" altLang="en-US" dirty="0"/>
-              <a:t>形式でテクスチャアニメーションを管理する</a:t>
+              <a:t>仕様は以下である</a:t>
             </a:r>
             <a:endParaRPr kumimoji="1" lang="en-US" altLang="ja-JP" dirty="0"/>
           </a:p>
           <a:p>
-            <a:r>
-              <a:rPr kumimoji="1" lang="en-US" altLang="ja-JP" sz="2800" dirty="0" err="1"/>
-              <a:t>ClarityTextureAnime</a:t>
-            </a:r>
-            <a:endParaRPr lang="en-US" altLang="ja-JP" dirty="0"/>
-          </a:p>
-          <a:p>
             <a:pPr lvl="1"/>
-            <a:r>
-              <a:rPr kumimoji="1" lang="ja-JP" altLang="en-US" dirty="0"/>
-              <a:t>ルート要素、必須</a:t>
-            </a:r>
-            <a:endParaRPr kumimoji="1" lang="en-US" altLang="ja-JP" dirty="0"/>
-          </a:p>
-          <a:p>
-            <a:pPr lvl="1"/>
-            <a:r>
-              <a:rPr kumimoji="1" lang="en-US" altLang="ja-JP" dirty="0" err="1"/>
-              <a:t>root_id</a:t>
-            </a:r>
-            <a:r>
-              <a:rPr kumimoji="1" lang="en-US" altLang="ja-JP" dirty="0"/>
-              <a:t>:</a:t>
-            </a:r>
-            <a:r>
-              <a:rPr kumimoji="1" lang="ja-JP" altLang="en-US" dirty="0"/>
-              <a:t>このファイルのアニメーション</a:t>
-            </a:r>
             <a:r>
               <a:rPr kumimoji="1" lang="en-US" altLang="ja-JP" dirty="0"/>
               <a:t>ID</a:t>
             </a:r>
-            <a:r>
-              <a:rPr kumimoji="1" lang="ja-JP" altLang="en-US" dirty="0"/>
-              <a:t>を定義する。この番号から順番に</a:t>
-            </a:r>
-            <a:r>
-              <a:rPr kumimoji="1" lang="en-US" altLang="ja-JP" sz="2400" dirty="0" err="1"/>
-              <a:t>TextureAnimeData</a:t>
-            </a:r>
-            <a:r>
-              <a:rPr kumimoji="1" lang="ja-JP" altLang="en-US" sz="2400" dirty="0"/>
-              <a:t>の</a:t>
-            </a:r>
-            <a:r>
-              <a:rPr kumimoji="1" lang="en-US" altLang="ja-JP" sz="2400" dirty="0"/>
-              <a:t>ID</a:t>
-            </a:r>
-            <a:r>
-              <a:rPr kumimoji="1" lang="ja-JP" altLang="en-US" sz="2400"/>
-              <a:t>が降られる</a:t>
-            </a:r>
-            <a:r>
-              <a:rPr lang="ja-JP" altLang="en-US"/>
-              <a:t>。</a:t>
-            </a:r>
-            <a:endParaRPr kumimoji="1" lang="en-US" altLang="ja-JP" sz="2400" dirty="0"/>
           </a:p>
           <a:p>
             <a:pPr lvl="1"/>
-            <a:endParaRPr kumimoji="1" lang="en-US" altLang="ja-JP" dirty="0"/>
-          </a:p>
-          <a:p>
-            <a:r>
-              <a:rPr kumimoji="1" lang="en-US" altLang="ja-JP" sz="2800" dirty="0" err="1"/>
-              <a:t>TextureAnimeData</a:t>
-            </a:r>
-            <a:r>
-              <a:rPr kumimoji="1" lang="ja-JP" altLang="en-US" sz="2800" dirty="0"/>
-              <a:t>　</a:t>
-            </a:r>
-            <a:endParaRPr kumimoji="1" lang="en-US" altLang="ja-JP" sz="2800" dirty="0"/>
+            <a:r>
+              <a:rPr lang="ja-JP" altLang="en-US" dirty="0"/>
+              <a:t>読み込み</a:t>
+            </a:r>
+            <a:r>
+              <a:rPr lang="en-US" altLang="ja-JP" dirty="0"/>
+              <a:t>Shader</a:t>
+            </a:r>
+            <a:r>
+              <a:rPr lang="ja-JP" altLang="en-US" dirty="0"/>
+              <a:t>ファイルパス</a:t>
+            </a:r>
+            <a:endParaRPr lang="en-US" altLang="ja-JP" dirty="0"/>
           </a:p>
           <a:p>
             <a:pPr lvl="1"/>
             <a:r>
-              <a:rPr kumimoji="1" lang="ja-JP" altLang="en-US" dirty="0"/>
-              <a:t>一つのアニメーションを表すデータ</a:t>
-            </a:r>
-            <a:endParaRPr kumimoji="1" lang="en-US" altLang="ja-JP" dirty="0"/>
+              <a:rPr lang="en-US" altLang="ja-JP" dirty="0" err="1"/>
+              <a:t>VertexShader</a:t>
+            </a:r>
+            <a:r>
+              <a:rPr lang="ja-JP" altLang="en-US" dirty="0"/>
+              <a:t>関数名</a:t>
+            </a:r>
+            <a:endParaRPr lang="en-US" altLang="ja-JP" dirty="0"/>
           </a:p>
           <a:p>
             <a:pPr lvl="1"/>
             <a:r>
-              <a:rPr lang="en-US" altLang="ja-JP" dirty="0"/>
-              <a:t>code:</a:t>
-            </a:r>
-            <a:r>
-              <a:rPr lang="ja-JP" altLang="en-US" dirty="0"/>
-              <a:t>アニメーション識別子、一位であること</a:t>
+              <a:rPr lang="en-US" altLang="ja-JP" dirty="0" err="1"/>
+              <a:t>PixelShader</a:t>
+            </a:r>
+            <a:r>
+              <a:rPr lang="ja-JP" altLang="en-US" dirty="0"/>
+              <a:t>関数名</a:t>
             </a:r>
             <a:endParaRPr lang="en-US" altLang="ja-JP" dirty="0"/>
           </a:p>
           <a:p>
             <a:pPr lvl="1"/>
-            <a:r>
-              <a:rPr kumimoji="1" lang="en-US" altLang="ja-JP" sz="2400" dirty="0"/>
-              <a:t>loop:</a:t>
-            </a:r>
-            <a:r>
-              <a:rPr kumimoji="1" lang="ja-JP" altLang="en-US" sz="2400" dirty="0"/>
-              <a:t>ループ可否 </a:t>
-            </a:r>
-            <a:r>
-              <a:rPr kumimoji="1" lang="en-US" altLang="ja-JP" sz="2400" dirty="0"/>
-              <a:t>[</a:t>
-            </a:r>
-            <a:r>
-              <a:rPr kumimoji="1" lang="en-US" altLang="ja-JP" sz="2400" dirty="0" err="1"/>
-              <a:t>Loop:Once</a:t>
-            </a:r>
-            <a:r>
-              <a:rPr kumimoji="1" lang="en-US" altLang="ja-JP" sz="2400" dirty="0"/>
-              <a:t>]</a:t>
-            </a:r>
-            <a:r>
-              <a:rPr kumimoji="1" lang="ja-JP" altLang="en-US" sz="2400" dirty="0"/>
-              <a:t>の二値</a:t>
-            </a:r>
-            <a:endParaRPr kumimoji="1" lang="en-US" altLang="ja-JP" sz="2400" dirty="0"/>
-          </a:p>
-          <a:p>
-            <a:pPr lvl="1"/>
-            <a:r>
-              <a:rPr lang="en-US" altLang="ja-JP" dirty="0" err="1"/>
-              <a:t>next:loop</a:t>
-            </a:r>
-            <a:r>
-              <a:rPr lang="ja-JP" altLang="en-US" dirty="0"/>
-              <a:t>が</a:t>
-            </a:r>
-            <a:r>
-              <a:rPr lang="en-US" altLang="ja-JP" dirty="0"/>
-              <a:t>Once</a:t>
-            </a:r>
-            <a:r>
-              <a:rPr lang="ja-JP" altLang="en-US" dirty="0"/>
-              <a:t>の時、遷移先アニメーション識別子、空文字でなし</a:t>
-            </a:r>
-            <a:endParaRPr lang="en-US" altLang="ja-JP" dirty="0"/>
-          </a:p>
-          <a:p>
-            <a:r>
-              <a:rPr kumimoji="1" lang="en-US" altLang="ja-JP" dirty="0"/>
-              <a:t>Frame</a:t>
-            </a:r>
-          </a:p>
-          <a:p>
-            <a:pPr lvl="1"/>
-            <a:r>
-              <a:rPr kumimoji="1" lang="en-US" altLang="ja-JP" dirty="0"/>
-              <a:t>1</a:t>
-            </a:r>
-            <a:r>
-              <a:rPr kumimoji="1" lang="ja-JP" altLang="en-US" dirty="0"/>
-              <a:t>つのアニメーションのフレーム情報 </a:t>
-            </a:r>
-            <a:r>
-              <a:rPr kumimoji="1" lang="en-US" altLang="ja-JP" dirty="0"/>
-              <a:t>CSV</a:t>
-            </a:r>
-            <a:r>
-              <a:rPr lang="ja-JP" altLang="en-US" dirty="0"/>
-              <a:t>形式</a:t>
-            </a:r>
-            <a:endParaRPr lang="en-US" altLang="ja-JP" dirty="0"/>
-          </a:p>
-          <a:p>
-            <a:pPr lvl="1"/>
-            <a:r>
-              <a:rPr lang="en-US" altLang="ja-JP" dirty="0"/>
-              <a:t>[</a:t>
-            </a:r>
-            <a:r>
-              <a:rPr lang="ja-JP" altLang="en-US" dirty="0"/>
-              <a:t>テクスチャコード</a:t>
-            </a:r>
-            <a:r>
-              <a:rPr lang="en-US" altLang="ja-JP" dirty="0"/>
-              <a:t>],[</a:t>
-            </a:r>
-            <a:r>
-              <a:rPr lang="ja-JP" altLang="en-US" dirty="0"/>
-              <a:t>アニメ</a:t>
-            </a:r>
-            <a:r>
-              <a:rPr lang="en-US" altLang="ja-JP" dirty="0" err="1"/>
-              <a:t>indexX</a:t>
-            </a:r>
-            <a:r>
-              <a:rPr lang="en-US" altLang="ja-JP" dirty="0"/>
-              <a:t>],[</a:t>
-            </a:r>
-            <a:r>
-              <a:rPr lang="ja-JP" altLang="en-US" dirty="0"/>
-              <a:t>アニメ</a:t>
-            </a:r>
-            <a:r>
-              <a:rPr lang="en-US" altLang="ja-JP" dirty="0" err="1"/>
-              <a:t>IndexY</a:t>
-            </a:r>
-            <a:r>
-              <a:rPr lang="en-US" altLang="ja-JP" dirty="0"/>
-              <a:t>],[</a:t>
-            </a:r>
-            <a:r>
-              <a:rPr lang="ja-JP" altLang="en-US" dirty="0"/>
-              <a:t>表示時間</a:t>
-            </a:r>
-            <a:r>
-              <a:rPr lang="en-US" altLang="ja-JP" dirty="0"/>
-              <a:t>(</a:t>
-            </a:r>
-            <a:r>
-              <a:rPr lang="en-US" altLang="ja-JP" dirty="0" err="1"/>
-              <a:t>ms</a:t>
-            </a:r>
-            <a:r>
-              <a:rPr lang="en-US" altLang="ja-JP" dirty="0"/>
-              <a:t>)]</a:t>
-            </a:r>
             <a:endParaRPr kumimoji="1" lang="ja-JP" altLang="en-US" dirty="0"/>
           </a:p>
         </p:txBody>
@@ -4169,7 +4075,7 @@
     </p:spTree>
     <p:extLst>
       <p:ext uri="{BB962C8B-B14F-4D97-AF65-F5344CB8AC3E}">
-        <p14:creationId xmlns:p14="http://schemas.microsoft.com/office/powerpoint/2010/main" val="3880086751"/>
+        <p14:creationId xmlns:p14="http://schemas.microsoft.com/office/powerpoint/2010/main" val="2876800265"/>
       </p:ext>
     </p:extLst>
   </p:cSld>
@@ -4201,6 +4107,324 @@
           <p:cNvPr id="2" name="タイトル 1">
             <a:extLst>
               <a:ext uri="{FF2B5EF4-FFF2-40B4-BE49-F238E27FC236}">
+                <a16:creationId xmlns:a16="http://schemas.microsoft.com/office/drawing/2014/main" id="{90692217-C234-4153-B44C-4DBDB085DD9D}"/>
+              </a:ext>
+            </a:extLst>
+          </p:cNvPr>
+          <p:cNvSpPr>
+            <a:spLocks noGrp="1"/>
+          </p:cNvSpPr>
+          <p:nvPr>
+            <p:ph type="title"/>
+          </p:nvPr>
+        </p:nvSpPr>
+        <p:spPr/>
+        <p:txBody>
+          <a:bodyPr/>
+          <a:lstStyle/>
+          <a:p>
+            <a:r>
+              <a:rPr lang="ja-JP" altLang="en-US" dirty="0"/>
+              <a:t>テクスチャアニメーションファイル仕様</a:t>
+            </a:r>
+            <a:endParaRPr kumimoji="1" lang="ja-JP" altLang="en-US" dirty="0"/>
+          </a:p>
+        </p:txBody>
+      </p:sp>
+      <p:sp>
+        <p:nvSpPr>
+          <p:cNvPr id="3" name="コンテンツ プレースホルダー 2">
+            <a:extLst>
+              <a:ext uri="{FF2B5EF4-FFF2-40B4-BE49-F238E27FC236}">
+                <a16:creationId xmlns:a16="http://schemas.microsoft.com/office/drawing/2014/main" id="{7B687065-F349-4D8E-8FB6-670DD28D827B}"/>
+              </a:ext>
+            </a:extLst>
+          </p:cNvPr>
+          <p:cNvSpPr>
+            <a:spLocks noGrp="1"/>
+          </p:cNvSpPr>
+          <p:nvPr>
+            <p:ph idx="1"/>
+          </p:nvPr>
+        </p:nvSpPr>
+        <p:spPr/>
+        <p:txBody>
+          <a:bodyPr>
+            <a:normAutofit fontScale="85000" lnSpcReduction="20000"/>
+          </a:bodyPr>
+          <a:lstStyle/>
+          <a:p>
+            <a:r>
+              <a:rPr kumimoji="1" lang="en-US" altLang="ja-JP" dirty="0"/>
+              <a:t>xml</a:t>
+            </a:r>
+            <a:r>
+              <a:rPr kumimoji="1" lang="ja-JP" altLang="en-US" dirty="0"/>
+              <a:t>形式でテクスチャアニメーションを管理する</a:t>
+            </a:r>
+            <a:endParaRPr kumimoji="1" lang="en-US" altLang="ja-JP" dirty="0"/>
+          </a:p>
+          <a:p>
+            <a:r>
+              <a:rPr kumimoji="1" lang="en-US" altLang="ja-JP" sz="2800" dirty="0" err="1"/>
+              <a:t>ClarityTextureAnime</a:t>
+            </a:r>
+            <a:endParaRPr lang="en-US" altLang="ja-JP" dirty="0"/>
+          </a:p>
+          <a:p>
+            <a:pPr lvl="1"/>
+            <a:r>
+              <a:rPr kumimoji="1" lang="ja-JP" altLang="en-US" dirty="0"/>
+              <a:t>ルート要素、必須</a:t>
+            </a:r>
+            <a:endParaRPr kumimoji="1" lang="en-US" altLang="ja-JP" dirty="0"/>
+          </a:p>
+          <a:p>
+            <a:pPr lvl="1"/>
+            <a:r>
+              <a:rPr kumimoji="1" lang="en-US" altLang="ja-JP" dirty="0" err="1"/>
+              <a:t>root_id</a:t>
+            </a:r>
+            <a:r>
+              <a:rPr kumimoji="1" lang="en-US" altLang="ja-JP" dirty="0"/>
+              <a:t>:</a:t>
+            </a:r>
+            <a:r>
+              <a:rPr kumimoji="1" lang="ja-JP" altLang="en-US" dirty="0"/>
+              <a:t>このファイルのアニメーション</a:t>
+            </a:r>
+            <a:r>
+              <a:rPr kumimoji="1" lang="en-US" altLang="ja-JP" dirty="0"/>
+              <a:t>ID</a:t>
+            </a:r>
+            <a:r>
+              <a:rPr kumimoji="1" lang="ja-JP" altLang="en-US" dirty="0"/>
+              <a:t>を定義する。この番号から順番に</a:t>
+            </a:r>
+            <a:r>
+              <a:rPr kumimoji="1" lang="en-US" altLang="ja-JP" sz="2400" dirty="0" err="1"/>
+              <a:t>TextureAnimeData</a:t>
+            </a:r>
+            <a:r>
+              <a:rPr kumimoji="1" lang="ja-JP" altLang="en-US" sz="2400" dirty="0"/>
+              <a:t>の</a:t>
+            </a:r>
+            <a:r>
+              <a:rPr kumimoji="1" lang="en-US" altLang="ja-JP" sz="2400" dirty="0"/>
+              <a:t>ID</a:t>
+            </a:r>
+            <a:r>
+              <a:rPr kumimoji="1" lang="ja-JP" altLang="en-US" sz="2400"/>
+              <a:t>が降られる</a:t>
+            </a:r>
+            <a:r>
+              <a:rPr lang="ja-JP" altLang="en-US"/>
+              <a:t>。</a:t>
+            </a:r>
+            <a:endParaRPr kumimoji="1" lang="en-US" altLang="ja-JP" sz="2400" dirty="0"/>
+          </a:p>
+          <a:p>
+            <a:pPr lvl="1"/>
+            <a:endParaRPr kumimoji="1" lang="en-US" altLang="ja-JP" dirty="0"/>
+          </a:p>
+          <a:p>
+            <a:r>
+              <a:rPr kumimoji="1" lang="en-US" altLang="ja-JP" sz="2800" dirty="0" err="1"/>
+              <a:t>TextureAnimeData</a:t>
+            </a:r>
+            <a:r>
+              <a:rPr kumimoji="1" lang="ja-JP" altLang="en-US" sz="2800" dirty="0"/>
+              <a:t>　</a:t>
+            </a:r>
+            <a:endParaRPr kumimoji="1" lang="en-US" altLang="ja-JP" sz="2800" dirty="0"/>
+          </a:p>
+          <a:p>
+            <a:pPr lvl="1"/>
+            <a:r>
+              <a:rPr kumimoji="1" lang="ja-JP" altLang="en-US" dirty="0"/>
+              <a:t>一つのアニメーションを表すデータ</a:t>
+            </a:r>
+            <a:endParaRPr kumimoji="1" lang="en-US" altLang="ja-JP" dirty="0"/>
+          </a:p>
+          <a:p>
+            <a:pPr lvl="1"/>
+            <a:r>
+              <a:rPr lang="en-US" altLang="ja-JP" dirty="0"/>
+              <a:t>code:</a:t>
+            </a:r>
+            <a:r>
+              <a:rPr lang="ja-JP" altLang="en-US" dirty="0"/>
+              <a:t>アニメーション識別子、一位であること</a:t>
+            </a:r>
+            <a:endParaRPr lang="en-US" altLang="ja-JP" dirty="0"/>
+          </a:p>
+          <a:p>
+            <a:pPr lvl="1"/>
+            <a:r>
+              <a:rPr kumimoji="1" lang="en-US" altLang="ja-JP" sz="2400" dirty="0"/>
+              <a:t>loop:</a:t>
+            </a:r>
+            <a:r>
+              <a:rPr kumimoji="1" lang="ja-JP" altLang="en-US" sz="2400" dirty="0"/>
+              <a:t>ループ可否 </a:t>
+            </a:r>
+            <a:r>
+              <a:rPr kumimoji="1" lang="en-US" altLang="ja-JP" sz="2400" dirty="0"/>
+              <a:t>[</a:t>
+            </a:r>
+            <a:r>
+              <a:rPr kumimoji="1" lang="en-US" altLang="ja-JP" sz="2400" dirty="0" err="1"/>
+              <a:t>Loop:Once</a:t>
+            </a:r>
+            <a:r>
+              <a:rPr kumimoji="1" lang="en-US" altLang="ja-JP" sz="2400" dirty="0"/>
+              <a:t>]</a:t>
+            </a:r>
+            <a:r>
+              <a:rPr kumimoji="1" lang="ja-JP" altLang="en-US" sz="2400" dirty="0"/>
+              <a:t>の二値</a:t>
+            </a:r>
+            <a:endParaRPr kumimoji="1" lang="en-US" altLang="ja-JP" sz="2400" dirty="0"/>
+          </a:p>
+          <a:p>
+            <a:pPr lvl="1"/>
+            <a:r>
+              <a:rPr lang="en-US" altLang="ja-JP" dirty="0" err="1"/>
+              <a:t>next:loop</a:t>
+            </a:r>
+            <a:r>
+              <a:rPr lang="ja-JP" altLang="en-US" dirty="0"/>
+              <a:t>が</a:t>
+            </a:r>
+            <a:r>
+              <a:rPr lang="en-US" altLang="ja-JP" dirty="0"/>
+              <a:t>Once</a:t>
+            </a:r>
+            <a:r>
+              <a:rPr lang="ja-JP" altLang="en-US" dirty="0"/>
+              <a:t>の時、遷移先アニメーション識別子、空文字でなし</a:t>
+            </a:r>
+            <a:endParaRPr lang="en-US" altLang="ja-JP" dirty="0"/>
+          </a:p>
+          <a:p>
+            <a:r>
+              <a:rPr kumimoji="1" lang="en-US" altLang="ja-JP" dirty="0"/>
+              <a:t>Frame</a:t>
+            </a:r>
+          </a:p>
+          <a:p>
+            <a:pPr lvl="1"/>
+            <a:r>
+              <a:rPr kumimoji="1" lang="en-US" altLang="ja-JP" dirty="0"/>
+              <a:t>1</a:t>
+            </a:r>
+            <a:r>
+              <a:rPr kumimoji="1" lang="ja-JP" altLang="en-US" dirty="0"/>
+              <a:t>つのアニメーションのフレーム情報 </a:t>
+            </a:r>
+            <a:r>
+              <a:rPr kumimoji="1" lang="en-US" altLang="ja-JP" dirty="0"/>
+              <a:t>CSV</a:t>
+            </a:r>
+            <a:r>
+              <a:rPr lang="ja-JP" altLang="en-US" dirty="0"/>
+              <a:t>形式</a:t>
+            </a:r>
+            <a:endParaRPr lang="en-US" altLang="ja-JP" dirty="0"/>
+          </a:p>
+          <a:p>
+            <a:pPr lvl="1"/>
+            <a:r>
+              <a:rPr lang="en-US" altLang="ja-JP" dirty="0"/>
+              <a:t>[</a:t>
+            </a:r>
+            <a:r>
+              <a:rPr lang="ja-JP" altLang="en-US" dirty="0"/>
+              <a:t>テクスチャコード</a:t>
+            </a:r>
+            <a:r>
+              <a:rPr lang="en-US" altLang="ja-JP" dirty="0"/>
+              <a:t>],[</a:t>
+            </a:r>
+            <a:r>
+              <a:rPr lang="ja-JP" altLang="en-US" dirty="0"/>
+              <a:t>アニメ</a:t>
+            </a:r>
+            <a:r>
+              <a:rPr lang="en-US" altLang="ja-JP" dirty="0" err="1"/>
+              <a:t>indexX</a:t>
+            </a:r>
+            <a:r>
+              <a:rPr lang="en-US" altLang="ja-JP" dirty="0"/>
+              <a:t>],[</a:t>
+            </a:r>
+            <a:r>
+              <a:rPr lang="ja-JP" altLang="en-US" dirty="0"/>
+              <a:t>アニメ</a:t>
+            </a:r>
+            <a:r>
+              <a:rPr lang="en-US" altLang="ja-JP" dirty="0" err="1"/>
+              <a:t>IndexY</a:t>
+            </a:r>
+            <a:r>
+              <a:rPr lang="en-US" altLang="ja-JP" dirty="0"/>
+              <a:t>],[</a:t>
+            </a:r>
+            <a:r>
+              <a:rPr lang="ja-JP" altLang="en-US" dirty="0"/>
+              <a:t>表示時間</a:t>
+            </a:r>
+            <a:r>
+              <a:rPr lang="en-US" altLang="ja-JP" dirty="0"/>
+              <a:t>(</a:t>
+            </a:r>
+            <a:r>
+              <a:rPr lang="en-US" altLang="ja-JP" dirty="0" err="1"/>
+              <a:t>ms</a:t>
+            </a:r>
+            <a:r>
+              <a:rPr lang="en-US" altLang="ja-JP" dirty="0"/>
+              <a:t>)]</a:t>
+            </a:r>
+            <a:endParaRPr kumimoji="1" lang="ja-JP" altLang="en-US" dirty="0"/>
+          </a:p>
+        </p:txBody>
+      </p:sp>
+    </p:spTree>
+    <p:extLst>
+      <p:ext uri="{BB962C8B-B14F-4D97-AF65-F5344CB8AC3E}">
+        <p14:creationId xmlns:p14="http://schemas.microsoft.com/office/powerpoint/2010/main" val="3880086751"/>
+      </p:ext>
+    </p:extLst>
+  </p:cSld>
+  <p:clrMapOvr>
+    <a:masterClrMapping/>
+  </p:clrMapOvr>
+</p:sld>
+</file>
+
+<file path=ppt/slides/slide13.xml><?xml version="1.0" encoding="utf-8"?>
+<p:sld xmlns:a="http://schemas.openxmlformats.org/drawingml/2006/main" xmlns:r="http://schemas.openxmlformats.org/officeDocument/2006/relationships" xmlns:p="http://schemas.openxmlformats.org/presentationml/2006/main">
+  <p:cSld>
+    <p:spTree>
+      <p:nvGrpSpPr>
+        <p:cNvPr id="1" name=""/>
+        <p:cNvGrpSpPr/>
+        <p:nvPr/>
+      </p:nvGrpSpPr>
+      <p:grpSpPr>
+        <a:xfrm>
+          <a:off x="0" y="0"/>
+          <a:ext cx="0" cy="0"/>
+          <a:chOff x="0" y="0"/>
+          <a:chExt cx="0" cy="0"/>
+        </a:xfrm>
+      </p:grpSpPr>
+      <p:sp>
+        <p:nvSpPr>
+          <p:cNvPr id="2" name="タイトル 1">
+            <a:extLst>
+              <a:ext uri="{FF2B5EF4-FFF2-40B4-BE49-F238E27FC236}">
                 <a16:creationId xmlns:a16="http://schemas.microsoft.com/office/drawing/2014/main" id="{986C9B67-9899-4E91-BDF4-C7A1F0C22934}"/>
               </a:ext>
             </a:extLst>
@@ -4447,7 +4671,7 @@
 </p:sld>
 </file>
 
-<file path=ppt/slides/slide13.xml><?xml version="1.0" encoding="utf-8"?>
+<file path=ppt/slides/slide14.xml><?xml version="1.0" encoding="utf-8"?>
 <p:sld xmlns:a="http://schemas.openxmlformats.org/drawingml/2006/main" xmlns:r="http://schemas.openxmlformats.org/officeDocument/2006/relationships" xmlns:p="http://schemas.openxmlformats.org/presentationml/2006/main">
   <p:cSld>
     <p:spTree>
@@ -4764,7 +4988,45 @@
             <a:endParaRPr lang="en-US" altLang="ja-JP" dirty="0"/>
           </a:p>
           <a:p>
-            <a:endParaRPr kumimoji="1" lang="ja-JP" altLang="en-US" dirty="0"/>
+            <a:r>
+              <a:rPr lang="en-US" altLang="ja-JP" dirty="0"/>
+              <a:t>DirextX12</a:t>
+            </a:r>
+            <a:r>
+              <a:rPr lang="ja-JP" altLang="en-US" dirty="0"/>
+              <a:t>への移行を目指す、また、</a:t>
+            </a:r>
+            <a:r>
+              <a:rPr lang="en-US" altLang="ja-JP" dirty="0" err="1"/>
+              <a:t>SharpDX</a:t>
+            </a:r>
+            <a:r>
+              <a:rPr lang="ja-JP" altLang="en-US" dirty="0"/>
+              <a:t>の終了に尽きフォークプロジェクト</a:t>
+            </a:r>
+            <a:r>
+              <a:rPr lang="en-US" altLang="ja-JP" dirty="0" err="1"/>
+              <a:t>Vortice</a:t>
+            </a:r>
+            <a:r>
+              <a:rPr lang="ja-JP" altLang="en-US" dirty="0"/>
+              <a:t>系への移行を行う</a:t>
+            </a:r>
+            <a:endParaRPr lang="en-US" altLang="ja-JP" dirty="0"/>
+          </a:p>
+          <a:p>
+            <a:r>
+              <a:rPr kumimoji="1" lang="ja-JP" altLang="en-US" dirty="0"/>
+              <a:t>描画、処理とも所作を前面に推し出し、所作を組み合わせる、切り替えることで各種実装する</a:t>
+            </a:r>
+            <a:endParaRPr kumimoji="1" lang="en-US" altLang="ja-JP" dirty="0"/>
+          </a:p>
+          <a:p>
+            <a:r>
+              <a:rPr lang="ja-JP" altLang="en-US" dirty="0"/>
+              <a:t>単純な所作を用意し、汎用的な動作を実現する</a:t>
+            </a:r>
+            <a:endParaRPr kumimoji="1" lang="en-US" altLang="ja-JP" dirty="0"/>
           </a:p>
         </p:txBody>
       </p:sp>
@@ -4965,6 +5227,511 @@
           <p:cNvPr id="2" name="タイトル 1">
             <a:extLst>
               <a:ext uri="{FF2B5EF4-FFF2-40B4-BE49-F238E27FC236}">
+                <a16:creationId xmlns:a16="http://schemas.microsoft.com/office/drawing/2014/main" id="{65310F13-FBAD-4E3E-99CD-5F45E769C768}"/>
+              </a:ext>
+            </a:extLst>
+          </p:cNvPr>
+          <p:cNvSpPr>
+            <a:spLocks noGrp="1"/>
+          </p:cNvSpPr>
+          <p:nvPr>
+            <p:ph type="title"/>
+          </p:nvPr>
+        </p:nvSpPr>
+        <p:spPr/>
+        <p:txBody>
+          <a:bodyPr/>
+          <a:lstStyle/>
+          <a:p>
+            <a:r>
+              <a:rPr kumimoji="1" lang="ja-JP" altLang="en-US" dirty="0"/>
+              <a:t>エンジン</a:t>
+            </a:r>
+            <a:r>
+              <a:rPr kumimoji="1" lang="en-US" altLang="ja-JP" dirty="0"/>
+              <a:t>DLL</a:t>
+            </a:r>
+            <a:endParaRPr kumimoji="1" lang="ja-JP" altLang="en-US" dirty="0"/>
+          </a:p>
+        </p:txBody>
+      </p:sp>
+      <p:sp>
+        <p:nvSpPr>
+          <p:cNvPr id="4" name="四角形: 角を丸くする 3">
+            <a:extLst>
+              <a:ext uri="{FF2B5EF4-FFF2-40B4-BE49-F238E27FC236}">
+                <a16:creationId xmlns:a16="http://schemas.microsoft.com/office/drawing/2014/main" id="{77C4FB30-45CE-41A4-9CA3-C889CBF3AABB}"/>
+              </a:ext>
+            </a:extLst>
+          </p:cNvPr>
+          <p:cNvSpPr/>
+          <p:nvPr/>
+        </p:nvSpPr>
+        <p:spPr>
+          <a:xfrm>
+            <a:off x="3346507" y="1285537"/>
+            <a:ext cx="4170027" cy="1912689"/>
+          </a:xfrm>
+          <a:prstGeom prst="roundRect">
+            <a:avLst/>
+          </a:prstGeom>
+        </p:spPr>
+        <p:style>
+          <a:lnRef idx="2">
+            <a:schemeClr val="accent1">
+              <a:shade val="50000"/>
+            </a:schemeClr>
+          </a:lnRef>
+          <a:fillRef idx="1">
+            <a:schemeClr val="accent1"/>
+          </a:fillRef>
+          <a:effectRef idx="0">
+            <a:schemeClr val="accent1"/>
+          </a:effectRef>
+          <a:fontRef idx="minor">
+            <a:schemeClr val="lt1"/>
+          </a:fontRef>
+        </p:style>
+        <p:txBody>
+          <a:bodyPr rtlCol="0" anchor="ctr"/>
+          <a:lstStyle/>
+          <a:p>
+            <a:pPr algn="ctr"/>
+            <a:r>
+              <a:rPr kumimoji="1" lang="en-US" altLang="ja-JP" dirty="0"/>
+              <a:t>Clarity.dll</a:t>
+            </a:r>
+          </a:p>
+          <a:p>
+            <a:pPr algn="ctr"/>
+            <a:r>
+              <a:rPr lang="ja-JP" altLang="en-US" dirty="0"/>
+              <a:t>所作オブジェクト管理</a:t>
+            </a:r>
+            <a:endParaRPr lang="en-US" altLang="ja-JP"/>
+          </a:p>
+          <a:p>
+            <a:pPr algn="ctr"/>
+            <a:r>
+              <a:rPr lang="ja-JP" altLang="en-US"/>
+              <a:t>汎用</a:t>
+            </a:r>
+            <a:r>
+              <a:rPr lang="ja-JP" altLang="en-US" dirty="0"/>
+              <a:t>便利クラスの定義</a:t>
+            </a:r>
+            <a:endParaRPr lang="en-US" altLang="ja-JP" dirty="0"/>
+          </a:p>
+          <a:p>
+            <a:pPr algn="ctr"/>
+            <a:r>
+              <a:rPr kumimoji="1" lang="ja-JP" altLang="en-US" dirty="0"/>
+              <a:t>オブジェクト、エレメント基底</a:t>
+            </a:r>
+            <a:endParaRPr kumimoji="1" lang="en-US" altLang="ja-JP" dirty="0"/>
+          </a:p>
+          <a:p>
+            <a:pPr algn="ctr"/>
+            <a:r>
+              <a:rPr lang="ja-JP" altLang="en-US" dirty="0"/>
+              <a:t>所作基底</a:t>
+            </a:r>
+            <a:endParaRPr kumimoji="1" lang="en-US" altLang="ja-JP" dirty="0"/>
+          </a:p>
+        </p:txBody>
+      </p:sp>
+      <p:sp>
+        <p:nvSpPr>
+          <p:cNvPr id="5" name="四角形: 角を丸くする 4">
+            <a:extLst>
+              <a:ext uri="{FF2B5EF4-FFF2-40B4-BE49-F238E27FC236}">
+                <a16:creationId xmlns:a16="http://schemas.microsoft.com/office/drawing/2014/main" id="{950C100D-086C-4665-B7A9-0A885861EAC5}"/>
+              </a:ext>
+            </a:extLst>
+          </p:cNvPr>
+          <p:cNvSpPr/>
+          <p:nvPr/>
+        </p:nvSpPr>
+        <p:spPr>
+          <a:xfrm>
+            <a:off x="2995569" y="3861109"/>
+            <a:ext cx="4386743" cy="2145407"/>
+          </a:xfrm>
+          <a:prstGeom prst="roundRect">
+            <a:avLst/>
+          </a:prstGeom>
+        </p:spPr>
+        <p:style>
+          <a:lnRef idx="2">
+            <a:schemeClr val="accent1">
+              <a:shade val="50000"/>
+            </a:schemeClr>
+          </a:lnRef>
+          <a:fillRef idx="1">
+            <a:schemeClr val="accent1"/>
+          </a:fillRef>
+          <a:effectRef idx="0">
+            <a:schemeClr val="accent1"/>
+          </a:effectRef>
+          <a:fontRef idx="minor">
+            <a:schemeClr val="lt1"/>
+          </a:fontRef>
+        </p:style>
+        <p:txBody>
+          <a:bodyPr rtlCol="0" anchor="ctr"/>
+          <a:lstStyle/>
+          <a:p>
+            <a:pPr algn="ctr"/>
+            <a:r>
+              <a:rPr kumimoji="1" lang="en-US" altLang="ja-JP" dirty="0"/>
+              <a:t>Clarity.Engine.dll</a:t>
+            </a:r>
+          </a:p>
+          <a:p>
+            <a:pPr algn="ctr"/>
+            <a:r>
+              <a:rPr lang="ja-JP" altLang="en-US" dirty="0"/>
+              <a:t>位置づけとしては</a:t>
+            </a:r>
+            <a:r>
+              <a:rPr lang="en-US" altLang="ja-JP" dirty="0"/>
+              <a:t>Clarity</a:t>
+            </a:r>
+            <a:r>
+              <a:rPr lang="ja-JP" altLang="en-US" dirty="0"/>
+              <a:t>の</a:t>
+            </a:r>
+            <a:r>
+              <a:rPr lang="en-US" altLang="ja-JP" dirty="0"/>
+              <a:t>Object</a:t>
+            </a:r>
+            <a:r>
+              <a:rPr lang="ja-JP" altLang="en-US" dirty="0"/>
+              <a:t>管理システムを利用したゲームエンジン</a:t>
+            </a:r>
+            <a:endParaRPr kumimoji="1" lang="en-US" altLang="ja-JP" dirty="0"/>
+          </a:p>
+          <a:p>
+            <a:pPr algn="ctr"/>
+            <a:r>
+              <a:rPr lang="ja-JP" altLang="en-US" dirty="0"/>
+              <a:t>ゲームエンジンコア</a:t>
+            </a:r>
+            <a:endParaRPr kumimoji="1" lang="en-US" altLang="ja-JP" dirty="0"/>
+          </a:p>
+          <a:p>
+            <a:pPr algn="ctr"/>
+            <a:r>
+              <a:rPr kumimoji="1" lang="en-US" altLang="ja-JP" dirty="0"/>
+              <a:t>DirectX</a:t>
+            </a:r>
+            <a:r>
+              <a:rPr kumimoji="1" lang="ja-JP" altLang="en-US" dirty="0"/>
+              <a:t>コアエンジン</a:t>
+            </a:r>
+            <a:endParaRPr kumimoji="1" lang="en-US" altLang="ja-JP" dirty="0"/>
+          </a:p>
+          <a:p>
+            <a:pPr algn="ctr"/>
+            <a:r>
+              <a:rPr kumimoji="1" lang="en-US" altLang="ja-JP" dirty="0"/>
+              <a:t>3D</a:t>
+            </a:r>
+            <a:r>
+              <a:rPr kumimoji="1" lang="ja-JP" altLang="en-US" dirty="0"/>
+              <a:t>関係など</a:t>
+            </a:r>
+            <a:endParaRPr kumimoji="1" lang="en-US" altLang="ja-JP" dirty="0"/>
+          </a:p>
+        </p:txBody>
+      </p:sp>
+      <p:sp>
+        <p:nvSpPr>
+          <p:cNvPr id="6" name="四角形: 角を丸くする 5">
+            <a:extLst>
+              <a:ext uri="{FF2B5EF4-FFF2-40B4-BE49-F238E27FC236}">
+                <a16:creationId xmlns:a16="http://schemas.microsoft.com/office/drawing/2014/main" id="{D0CC5A29-DFFC-4D31-B315-D445F60B4D1C}"/>
+              </a:ext>
+            </a:extLst>
+          </p:cNvPr>
+          <p:cNvSpPr/>
+          <p:nvPr/>
+        </p:nvSpPr>
+        <p:spPr>
+          <a:xfrm>
+            <a:off x="8089085" y="3657294"/>
+            <a:ext cx="4170027" cy="1510018"/>
+          </a:xfrm>
+          <a:prstGeom prst="roundRect">
+            <a:avLst/>
+          </a:prstGeom>
+        </p:spPr>
+        <p:style>
+          <a:lnRef idx="2">
+            <a:schemeClr val="accent1">
+              <a:shade val="50000"/>
+            </a:schemeClr>
+          </a:lnRef>
+          <a:fillRef idx="1">
+            <a:schemeClr val="accent1"/>
+          </a:fillRef>
+          <a:effectRef idx="0">
+            <a:schemeClr val="accent1"/>
+          </a:effectRef>
+          <a:fontRef idx="minor">
+            <a:schemeClr val="lt1"/>
+          </a:fontRef>
+        </p:style>
+        <p:txBody>
+          <a:bodyPr rtlCol="0" anchor="ctr"/>
+          <a:lstStyle/>
+          <a:p>
+            <a:pPr algn="ctr"/>
+            <a:r>
+              <a:rPr kumimoji="1" lang="en-US" altLang="ja-JP" dirty="0"/>
+              <a:t>Clarity.Plane.dll</a:t>
+            </a:r>
+          </a:p>
+          <a:p>
+            <a:pPr algn="ctr"/>
+            <a:r>
+              <a:rPr kumimoji="1" lang="en-US" altLang="ja-JP" dirty="0"/>
+              <a:t>C#GDI+</a:t>
+            </a:r>
+            <a:r>
+              <a:rPr kumimoji="1" lang="ja-JP" altLang="en-US" dirty="0"/>
+              <a:t>での描画ライブラリ</a:t>
+            </a:r>
+            <a:endParaRPr kumimoji="1" lang="en-US" altLang="ja-JP" dirty="0"/>
+          </a:p>
+          <a:p>
+            <a:pPr algn="ctr"/>
+            <a:r>
+              <a:rPr kumimoji="1" lang="ja-JP" altLang="en-US" dirty="0"/>
+              <a:t>描画基本ライブラリ</a:t>
+            </a:r>
+            <a:endParaRPr kumimoji="1" lang="en-US" altLang="ja-JP" dirty="0"/>
+          </a:p>
+        </p:txBody>
+      </p:sp>
+      <p:cxnSp>
+        <p:nvCxnSpPr>
+          <p:cNvPr id="7" name="直線矢印コネクタ 6">
+            <a:extLst>
+              <a:ext uri="{FF2B5EF4-FFF2-40B4-BE49-F238E27FC236}">
+                <a16:creationId xmlns:a16="http://schemas.microsoft.com/office/drawing/2014/main" id="{E848F9BF-B11F-4AC1-B0D2-C44892ACBFCA}"/>
+              </a:ext>
+            </a:extLst>
+          </p:cNvPr>
+          <p:cNvCxnSpPr>
+            <a:cxnSpLocks/>
+            <a:stCxn id="6" idx="0"/>
+            <a:endCxn id="4" idx="2"/>
+          </p:cNvCxnSpPr>
+          <p:nvPr/>
+        </p:nvCxnSpPr>
+        <p:spPr>
+          <a:xfrm flipH="1" flipV="1">
+            <a:off x="5431521" y="3198226"/>
+            <a:ext cx="4742578" cy="459068"/>
+          </a:xfrm>
+          <a:prstGeom prst="straightConnector1">
+            <a:avLst/>
+          </a:prstGeom>
+          <a:ln w="38100">
+            <a:tailEnd type="triangle"/>
+          </a:ln>
+        </p:spPr>
+        <p:style>
+          <a:lnRef idx="1">
+            <a:schemeClr val="dk1"/>
+          </a:lnRef>
+          <a:fillRef idx="0">
+            <a:schemeClr val="dk1"/>
+          </a:fillRef>
+          <a:effectRef idx="0">
+            <a:schemeClr val="dk1"/>
+          </a:effectRef>
+          <a:fontRef idx="minor">
+            <a:schemeClr val="tx1"/>
+          </a:fontRef>
+        </p:style>
+      </p:cxnSp>
+      <p:cxnSp>
+        <p:nvCxnSpPr>
+          <p:cNvPr id="11" name="直線矢印コネクタ 10">
+            <a:extLst>
+              <a:ext uri="{FF2B5EF4-FFF2-40B4-BE49-F238E27FC236}">
+                <a16:creationId xmlns:a16="http://schemas.microsoft.com/office/drawing/2014/main" id="{588F7931-B5E5-4D1C-9BDF-6E4056E794F7}"/>
+              </a:ext>
+            </a:extLst>
+          </p:cNvPr>
+          <p:cNvCxnSpPr>
+            <a:cxnSpLocks/>
+            <a:stCxn id="5" idx="0"/>
+            <a:endCxn id="4" idx="2"/>
+          </p:cNvCxnSpPr>
+          <p:nvPr/>
+        </p:nvCxnSpPr>
+        <p:spPr>
+          <a:xfrm flipV="1">
+            <a:off x="5188941" y="3198226"/>
+            <a:ext cx="242580" cy="662883"/>
+          </a:xfrm>
+          <a:prstGeom prst="straightConnector1">
+            <a:avLst/>
+          </a:prstGeom>
+          <a:ln w="38100">
+            <a:tailEnd type="triangle"/>
+          </a:ln>
+        </p:spPr>
+        <p:style>
+          <a:lnRef idx="1">
+            <a:schemeClr val="dk1"/>
+          </a:lnRef>
+          <a:fillRef idx="0">
+            <a:schemeClr val="dk1"/>
+          </a:fillRef>
+          <a:effectRef idx="0">
+            <a:schemeClr val="dk1"/>
+          </a:effectRef>
+          <a:fontRef idx="minor">
+            <a:schemeClr val="tx1"/>
+          </a:fontRef>
+        </p:style>
+      </p:cxnSp>
+      <p:sp>
+        <p:nvSpPr>
+          <p:cNvPr id="20" name="四角形: 角を丸くする 19">
+            <a:extLst>
+              <a:ext uri="{FF2B5EF4-FFF2-40B4-BE49-F238E27FC236}">
+                <a16:creationId xmlns:a16="http://schemas.microsoft.com/office/drawing/2014/main" id="{1DAC620F-8519-49B7-86B8-245412B7BF52}"/>
+              </a:ext>
+            </a:extLst>
+          </p:cNvPr>
+          <p:cNvSpPr/>
+          <p:nvPr/>
+        </p:nvSpPr>
+        <p:spPr>
+          <a:xfrm>
+            <a:off x="-254814" y="3309151"/>
+            <a:ext cx="2905036" cy="561757"/>
+          </a:xfrm>
+          <a:prstGeom prst="roundRect">
+            <a:avLst/>
+          </a:prstGeom>
+        </p:spPr>
+        <p:style>
+          <a:lnRef idx="2">
+            <a:schemeClr val="accent3">
+              <a:shade val="50000"/>
+            </a:schemeClr>
+          </a:lnRef>
+          <a:fillRef idx="1">
+            <a:schemeClr val="accent3"/>
+          </a:fillRef>
+          <a:effectRef idx="0">
+            <a:schemeClr val="accent3"/>
+          </a:effectRef>
+          <a:fontRef idx="minor">
+            <a:schemeClr val="lt1"/>
+          </a:fontRef>
+        </p:style>
+        <p:txBody>
+          <a:bodyPr rtlCol="0" anchor="ctr"/>
+          <a:lstStyle/>
+          <a:p>
+            <a:pPr algn="ctr"/>
+            <a:r>
+              <a:rPr kumimoji="1" lang="en-US" altLang="ja-JP" dirty="0" err="1"/>
+              <a:t>Vortice</a:t>
+            </a:r>
+            <a:r>
+              <a:rPr kumimoji="1" lang="ja-JP" altLang="en-US" dirty="0"/>
+              <a:t>関連</a:t>
+            </a:r>
+            <a:endParaRPr kumimoji="1" lang="en-US" altLang="ja-JP" dirty="0"/>
+          </a:p>
+        </p:txBody>
+      </p:sp>
+      <p:cxnSp>
+        <p:nvCxnSpPr>
+          <p:cNvPr id="21" name="直線矢印コネクタ 20">
+            <a:extLst>
+              <a:ext uri="{FF2B5EF4-FFF2-40B4-BE49-F238E27FC236}">
+                <a16:creationId xmlns:a16="http://schemas.microsoft.com/office/drawing/2014/main" id="{12328F95-C8A1-41AC-A922-C8D5B4CF85D9}"/>
+              </a:ext>
+            </a:extLst>
+          </p:cNvPr>
+          <p:cNvCxnSpPr>
+            <a:cxnSpLocks/>
+            <a:stCxn id="5" idx="1"/>
+            <a:endCxn id="20" idx="3"/>
+          </p:cNvCxnSpPr>
+          <p:nvPr/>
+        </p:nvCxnSpPr>
+        <p:spPr>
+          <a:xfrm flipH="1" flipV="1">
+            <a:off x="2650222" y="3590030"/>
+            <a:ext cx="345347" cy="1343783"/>
+          </a:xfrm>
+          <a:prstGeom prst="straightConnector1">
+            <a:avLst/>
+          </a:prstGeom>
+          <a:ln w="38100">
+            <a:tailEnd type="triangle"/>
+          </a:ln>
+        </p:spPr>
+        <p:style>
+          <a:lnRef idx="1">
+            <a:schemeClr val="dk1"/>
+          </a:lnRef>
+          <a:fillRef idx="0">
+            <a:schemeClr val="dk1"/>
+          </a:fillRef>
+          <a:effectRef idx="0">
+            <a:schemeClr val="dk1"/>
+          </a:effectRef>
+          <a:fontRef idx="minor">
+            <a:schemeClr val="tx1"/>
+          </a:fontRef>
+        </p:style>
+      </p:cxnSp>
+    </p:spTree>
+    <p:extLst>
+      <p:ext uri="{BB962C8B-B14F-4D97-AF65-F5344CB8AC3E}">
+        <p14:creationId xmlns:p14="http://schemas.microsoft.com/office/powerpoint/2010/main" val="2531347140"/>
+      </p:ext>
+    </p:extLst>
+  </p:cSld>
+  <p:clrMapOvr>
+    <a:masterClrMapping/>
+  </p:clrMapOvr>
+</p:sld>
+</file>
+
+<file path=ppt/slides/slide5.xml><?xml version="1.0" encoding="utf-8"?>
+<p:sld xmlns:a="http://schemas.openxmlformats.org/drawingml/2006/main" xmlns:r="http://schemas.openxmlformats.org/officeDocument/2006/relationships" xmlns:p="http://schemas.openxmlformats.org/presentationml/2006/main">
+  <p:cSld>
+    <p:spTree>
+      <p:nvGrpSpPr>
+        <p:cNvPr id="1" name=""/>
+        <p:cNvGrpSpPr/>
+        <p:nvPr/>
+      </p:nvGrpSpPr>
+      <p:grpSpPr>
+        <a:xfrm>
+          <a:off x="0" y="0"/>
+          <a:ext cx="0" cy="0"/>
+          <a:chOff x="0" y="0"/>
+          <a:chExt cx="0" cy="0"/>
+        </a:xfrm>
+      </p:grpSpPr>
+      <p:sp>
+        <p:nvSpPr>
+          <p:cNvPr id="2" name="タイトル 1">
+            <a:extLst>
+              <a:ext uri="{FF2B5EF4-FFF2-40B4-BE49-F238E27FC236}">
                 <a16:creationId xmlns:a16="http://schemas.microsoft.com/office/drawing/2014/main" id="{35F70E43-DFA7-4A80-A45B-228D73A2688C}"/>
               </a:ext>
             </a:extLst>
@@ -4983,7 +5750,7 @@
           <a:p>
             <a:r>
               <a:rPr lang="ja-JP" altLang="en-US" dirty="0"/>
-              <a:t>大枠</a:t>
+              <a:t>理想構成</a:t>
             </a:r>
             <a:endParaRPr kumimoji="1" lang="ja-JP" altLang="en-US" dirty="0"/>
           </a:p>
@@ -5068,8 +5835,8 @@
         </p:nvSpPr>
         <p:spPr>
           <a:xfrm>
-            <a:off x="5913539" y="1895912"/>
-            <a:ext cx="3816991" cy="2055303"/>
+            <a:off x="6802774" y="268448"/>
+            <a:ext cx="3146570" cy="1858369"/>
           </a:xfrm>
           <a:prstGeom prst="roundRect">
             <a:avLst/>
@@ -5331,70 +6098,12 @@
           </a:fontRef>
         </p:style>
       </p:cxnSp>
-    </p:spTree>
-    <p:extLst>
-      <p:ext uri="{BB962C8B-B14F-4D97-AF65-F5344CB8AC3E}">
-        <p14:creationId xmlns:p14="http://schemas.microsoft.com/office/powerpoint/2010/main" val="3888466832"/>
-      </p:ext>
-    </p:extLst>
-  </p:cSld>
-  <p:clrMapOvr>
-    <a:masterClrMapping/>
-  </p:clrMapOvr>
-</p:sld>
-</file>
-
-<file path=ppt/slides/slide5.xml><?xml version="1.0" encoding="utf-8"?>
-<p:sld xmlns:a="http://schemas.openxmlformats.org/drawingml/2006/main" xmlns:r="http://schemas.openxmlformats.org/officeDocument/2006/relationships" xmlns:p="http://schemas.openxmlformats.org/presentationml/2006/main">
-  <p:cSld>
-    <p:spTree>
-      <p:nvGrpSpPr>
-        <p:cNvPr id="1" name=""/>
-        <p:cNvGrpSpPr/>
-        <p:nvPr/>
-      </p:nvGrpSpPr>
-      <p:grpSpPr>
-        <a:xfrm>
-          <a:off x="0" y="0"/>
-          <a:ext cx="0" cy="0"/>
-          <a:chOff x="0" y="0"/>
-          <a:chExt cx="0" cy="0"/>
-        </a:xfrm>
-      </p:grpSpPr>
-      <p:sp>
-        <p:nvSpPr>
-          <p:cNvPr id="2" name="タイトル 1">
-            <a:extLst>
-              <a:ext uri="{FF2B5EF4-FFF2-40B4-BE49-F238E27FC236}">
-                <a16:creationId xmlns:a16="http://schemas.microsoft.com/office/drawing/2014/main" id="{BC31314A-02BB-442B-9673-6DF3639A5FC3}"/>
-              </a:ext>
-            </a:extLst>
-          </p:cNvPr>
-          <p:cNvSpPr>
-            <a:spLocks noGrp="1"/>
-          </p:cNvSpPr>
-          <p:nvPr>
-            <p:ph type="title"/>
-          </p:nvPr>
-        </p:nvSpPr>
-        <p:spPr/>
-        <p:txBody>
-          <a:bodyPr/>
-          <a:lstStyle/>
-          <a:p>
-            <a:r>
-              <a:rPr kumimoji="1" lang="ja-JP" altLang="en-US" dirty="0"/>
-              <a:t>クラス図概要</a:t>
-            </a:r>
-          </a:p>
-        </p:txBody>
-      </p:sp>
-      <p:sp>
-        <p:nvSpPr>
-          <p:cNvPr id="4" name="四角形: 角を丸くする 3">
-            <a:extLst>
-              <a:ext uri="{FF2B5EF4-FFF2-40B4-BE49-F238E27FC236}">
-                <a16:creationId xmlns:a16="http://schemas.microsoft.com/office/drawing/2014/main" id="{C7250184-9D7F-4A9C-B356-D29290949C8B}"/>
+      <p:sp>
+        <p:nvSpPr>
+          <p:cNvPr id="10" name="四角形: 角を丸くする 9">
+            <a:extLst>
+              <a:ext uri="{FF2B5EF4-FFF2-40B4-BE49-F238E27FC236}">
+                <a16:creationId xmlns:a16="http://schemas.microsoft.com/office/drawing/2014/main" id="{F8F853F6-9FDC-4868-9985-0AB9F61CAB67}"/>
               </a:ext>
             </a:extLst>
           </p:cNvPr>
@@ -5403,8 +6112,8 @@
         </p:nvSpPr>
         <p:spPr>
           <a:xfrm>
-            <a:off x="3453468" y="3202497"/>
-            <a:ext cx="2810312" cy="838644"/>
+            <a:off x="6802773" y="2420429"/>
+            <a:ext cx="3406630" cy="1572732"/>
           </a:xfrm>
           <a:prstGeom prst="roundRect">
             <a:avLst/>
@@ -5433,116 +6142,23 @@
             <a:pPr algn="ctr"/>
             <a:r>
               <a:rPr kumimoji="1" lang="en-US" altLang="ja-JP" dirty="0" err="1"/>
-              <a:t>IClarityElement</a:t>
-            </a:r>
-            <a:endParaRPr kumimoji="1" lang="ja-JP" altLang="en-US" dirty="0"/>
-          </a:p>
-        </p:txBody>
-      </p:sp>
-      <p:sp>
-        <p:nvSpPr>
-          <p:cNvPr id="5" name="四角形: 角を丸くする 4">
-            <a:extLst>
-              <a:ext uri="{FF2B5EF4-FFF2-40B4-BE49-F238E27FC236}">
-                <a16:creationId xmlns:a16="http://schemas.microsoft.com/office/drawing/2014/main" id="{49D3DBE7-1705-42B9-B67B-506AA1715FE7}"/>
-              </a:ext>
-            </a:extLst>
-          </p:cNvPr>
-          <p:cNvSpPr/>
-          <p:nvPr/>
-        </p:nvSpPr>
-        <p:spPr>
-          <a:xfrm>
-            <a:off x="3453468" y="4507041"/>
-            <a:ext cx="2810312" cy="838644"/>
-          </a:xfrm>
-          <a:prstGeom prst="roundRect">
-            <a:avLst/>
-          </a:prstGeom>
-        </p:spPr>
-        <p:style>
-          <a:lnRef idx="2">
-            <a:schemeClr val="accent1">
-              <a:shade val="50000"/>
-            </a:schemeClr>
-          </a:lnRef>
-          <a:fillRef idx="1">
-            <a:schemeClr val="accent1"/>
-          </a:fillRef>
-          <a:effectRef idx="0">
-            <a:schemeClr val="accent1"/>
-          </a:effectRef>
-          <a:fontRef idx="minor">
-            <a:schemeClr val="lt1"/>
-          </a:fontRef>
-        </p:style>
-        <p:txBody>
-          <a:bodyPr rtlCol="0" anchor="ctr"/>
-          <a:lstStyle/>
+              <a:t>ClarityEmotion</a:t>
+            </a:r>
+            <a:endParaRPr kumimoji="1" lang="en-US" altLang="ja-JP" dirty="0"/>
+          </a:p>
           <a:p>
             <a:pPr algn="ctr"/>
             <a:r>
-              <a:rPr kumimoji="1" lang="en-US" altLang="ja-JP" dirty="0" err="1"/>
-              <a:t>ClarityElement</a:t>
-            </a:r>
-            <a:endParaRPr kumimoji="1" lang="ja-JP" altLang="en-US" dirty="0"/>
-          </a:p>
-        </p:txBody>
-      </p:sp>
-      <p:sp>
-        <p:nvSpPr>
-          <p:cNvPr id="6" name="四角形: 角を丸くする 5">
-            <a:extLst>
-              <a:ext uri="{FF2B5EF4-FFF2-40B4-BE49-F238E27FC236}">
-                <a16:creationId xmlns:a16="http://schemas.microsoft.com/office/drawing/2014/main" id="{8D9A2C69-5FD2-4383-AB25-DA09244F6373}"/>
-              </a:ext>
-            </a:extLst>
-          </p:cNvPr>
-          <p:cNvSpPr/>
-          <p:nvPr/>
-        </p:nvSpPr>
-        <p:spPr>
-          <a:xfrm>
-            <a:off x="903215" y="1784117"/>
-            <a:ext cx="2810312" cy="838644"/>
-          </a:xfrm>
-          <a:prstGeom prst="roundRect">
-            <a:avLst/>
-          </a:prstGeom>
-        </p:spPr>
-        <p:style>
-          <a:lnRef idx="2">
-            <a:schemeClr val="accent1">
-              <a:shade val="50000"/>
-            </a:schemeClr>
-          </a:lnRef>
-          <a:fillRef idx="1">
-            <a:schemeClr val="accent1"/>
-          </a:fillRef>
-          <a:effectRef idx="0">
-            <a:schemeClr val="accent1"/>
-          </a:effectRef>
-          <a:fontRef idx="minor">
-            <a:schemeClr val="lt1"/>
-          </a:fontRef>
-        </p:style>
-        <p:txBody>
-          <a:bodyPr rtlCol="0" anchor="ctr"/>
-          <a:lstStyle/>
-          <a:p>
-            <a:pPr algn="ctr"/>
-            <a:r>
-              <a:rPr kumimoji="1" lang="en-US" altLang="ja-JP" dirty="0"/>
-              <a:t>Clarity</a:t>
-            </a:r>
-            <a:endParaRPr kumimoji="1" lang="ja-JP" altLang="en-US" dirty="0"/>
+              <a:rPr kumimoji="1" lang="ja-JP" altLang="en-US" dirty="0"/>
+              <a:t>アニメ合成ツール</a:t>
+            </a:r>
           </a:p>
         </p:txBody>
       </p:sp>
     </p:spTree>
     <p:extLst>
       <p:ext uri="{BB962C8B-B14F-4D97-AF65-F5344CB8AC3E}">
-        <p14:creationId xmlns:p14="http://schemas.microsoft.com/office/powerpoint/2010/main" val="329742818"/>
+        <p14:creationId xmlns:p14="http://schemas.microsoft.com/office/powerpoint/2010/main" val="3888466832"/>
       </p:ext>
     </p:extLst>
   </p:cSld>
@@ -5574,6 +6190,214 @@
           <p:cNvPr id="2" name="タイトル 1">
             <a:extLst>
               <a:ext uri="{FF2B5EF4-FFF2-40B4-BE49-F238E27FC236}">
+                <a16:creationId xmlns:a16="http://schemas.microsoft.com/office/drawing/2014/main" id="{BC31314A-02BB-442B-9673-6DF3639A5FC3}"/>
+              </a:ext>
+            </a:extLst>
+          </p:cNvPr>
+          <p:cNvSpPr>
+            <a:spLocks noGrp="1"/>
+          </p:cNvSpPr>
+          <p:nvPr>
+            <p:ph type="title"/>
+          </p:nvPr>
+        </p:nvSpPr>
+        <p:spPr/>
+        <p:txBody>
+          <a:bodyPr/>
+          <a:lstStyle/>
+          <a:p>
+            <a:r>
+              <a:rPr kumimoji="1" lang="ja-JP" altLang="en-US" dirty="0"/>
+              <a:t>クラス図概要</a:t>
+            </a:r>
+          </a:p>
+        </p:txBody>
+      </p:sp>
+      <p:sp>
+        <p:nvSpPr>
+          <p:cNvPr id="4" name="四角形: 角を丸くする 3">
+            <a:extLst>
+              <a:ext uri="{FF2B5EF4-FFF2-40B4-BE49-F238E27FC236}">
+                <a16:creationId xmlns:a16="http://schemas.microsoft.com/office/drawing/2014/main" id="{C7250184-9D7F-4A9C-B356-D29290949C8B}"/>
+              </a:ext>
+            </a:extLst>
+          </p:cNvPr>
+          <p:cNvSpPr/>
+          <p:nvPr/>
+        </p:nvSpPr>
+        <p:spPr>
+          <a:xfrm>
+            <a:off x="3453468" y="3202497"/>
+            <a:ext cx="2810312" cy="838644"/>
+          </a:xfrm>
+          <a:prstGeom prst="roundRect">
+            <a:avLst/>
+          </a:prstGeom>
+        </p:spPr>
+        <p:style>
+          <a:lnRef idx="2">
+            <a:schemeClr val="accent1">
+              <a:shade val="50000"/>
+            </a:schemeClr>
+          </a:lnRef>
+          <a:fillRef idx="1">
+            <a:schemeClr val="accent1"/>
+          </a:fillRef>
+          <a:effectRef idx="0">
+            <a:schemeClr val="accent1"/>
+          </a:effectRef>
+          <a:fontRef idx="minor">
+            <a:schemeClr val="lt1"/>
+          </a:fontRef>
+        </p:style>
+        <p:txBody>
+          <a:bodyPr rtlCol="0" anchor="ctr"/>
+          <a:lstStyle/>
+          <a:p>
+            <a:pPr algn="ctr"/>
+            <a:r>
+              <a:rPr kumimoji="1" lang="en-US" altLang="ja-JP" dirty="0" err="1"/>
+              <a:t>IClarityElement</a:t>
+            </a:r>
+            <a:endParaRPr kumimoji="1" lang="ja-JP" altLang="en-US" dirty="0"/>
+          </a:p>
+        </p:txBody>
+      </p:sp>
+      <p:sp>
+        <p:nvSpPr>
+          <p:cNvPr id="5" name="四角形: 角を丸くする 4">
+            <a:extLst>
+              <a:ext uri="{FF2B5EF4-FFF2-40B4-BE49-F238E27FC236}">
+                <a16:creationId xmlns:a16="http://schemas.microsoft.com/office/drawing/2014/main" id="{49D3DBE7-1705-42B9-B67B-506AA1715FE7}"/>
+              </a:ext>
+            </a:extLst>
+          </p:cNvPr>
+          <p:cNvSpPr/>
+          <p:nvPr/>
+        </p:nvSpPr>
+        <p:spPr>
+          <a:xfrm>
+            <a:off x="3453468" y="4507041"/>
+            <a:ext cx="2810312" cy="838644"/>
+          </a:xfrm>
+          <a:prstGeom prst="roundRect">
+            <a:avLst/>
+          </a:prstGeom>
+        </p:spPr>
+        <p:style>
+          <a:lnRef idx="2">
+            <a:schemeClr val="accent1">
+              <a:shade val="50000"/>
+            </a:schemeClr>
+          </a:lnRef>
+          <a:fillRef idx="1">
+            <a:schemeClr val="accent1"/>
+          </a:fillRef>
+          <a:effectRef idx="0">
+            <a:schemeClr val="accent1"/>
+          </a:effectRef>
+          <a:fontRef idx="minor">
+            <a:schemeClr val="lt1"/>
+          </a:fontRef>
+        </p:style>
+        <p:txBody>
+          <a:bodyPr rtlCol="0" anchor="ctr"/>
+          <a:lstStyle/>
+          <a:p>
+            <a:pPr algn="ctr"/>
+            <a:r>
+              <a:rPr kumimoji="1" lang="en-US" altLang="ja-JP" dirty="0" err="1"/>
+              <a:t>ClarityElement</a:t>
+            </a:r>
+            <a:endParaRPr kumimoji="1" lang="ja-JP" altLang="en-US" dirty="0"/>
+          </a:p>
+        </p:txBody>
+      </p:sp>
+      <p:sp>
+        <p:nvSpPr>
+          <p:cNvPr id="6" name="四角形: 角を丸くする 5">
+            <a:extLst>
+              <a:ext uri="{FF2B5EF4-FFF2-40B4-BE49-F238E27FC236}">
+                <a16:creationId xmlns:a16="http://schemas.microsoft.com/office/drawing/2014/main" id="{8D9A2C69-5FD2-4383-AB25-DA09244F6373}"/>
+              </a:ext>
+            </a:extLst>
+          </p:cNvPr>
+          <p:cNvSpPr/>
+          <p:nvPr/>
+        </p:nvSpPr>
+        <p:spPr>
+          <a:xfrm>
+            <a:off x="903215" y="1784117"/>
+            <a:ext cx="2810312" cy="838644"/>
+          </a:xfrm>
+          <a:prstGeom prst="roundRect">
+            <a:avLst/>
+          </a:prstGeom>
+        </p:spPr>
+        <p:style>
+          <a:lnRef idx="2">
+            <a:schemeClr val="accent1">
+              <a:shade val="50000"/>
+            </a:schemeClr>
+          </a:lnRef>
+          <a:fillRef idx="1">
+            <a:schemeClr val="accent1"/>
+          </a:fillRef>
+          <a:effectRef idx="0">
+            <a:schemeClr val="accent1"/>
+          </a:effectRef>
+          <a:fontRef idx="minor">
+            <a:schemeClr val="lt1"/>
+          </a:fontRef>
+        </p:style>
+        <p:txBody>
+          <a:bodyPr rtlCol="0" anchor="ctr"/>
+          <a:lstStyle/>
+          <a:p>
+            <a:pPr algn="ctr"/>
+            <a:r>
+              <a:rPr kumimoji="1" lang="en-US" altLang="ja-JP" dirty="0"/>
+              <a:t>Clarity</a:t>
+            </a:r>
+            <a:endParaRPr kumimoji="1" lang="ja-JP" altLang="en-US" dirty="0"/>
+          </a:p>
+        </p:txBody>
+      </p:sp>
+    </p:spTree>
+    <p:extLst>
+      <p:ext uri="{BB962C8B-B14F-4D97-AF65-F5344CB8AC3E}">
+        <p14:creationId xmlns:p14="http://schemas.microsoft.com/office/powerpoint/2010/main" val="329742818"/>
+      </p:ext>
+    </p:extLst>
+  </p:cSld>
+  <p:clrMapOvr>
+    <a:masterClrMapping/>
+  </p:clrMapOvr>
+</p:sld>
+</file>
+
+<file path=ppt/slides/slide7.xml><?xml version="1.0" encoding="utf-8"?>
+<p:sld xmlns:a="http://schemas.openxmlformats.org/drawingml/2006/main" xmlns:r="http://schemas.openxmlformats.org/officeDocument/2006/relationships" xmlns:p="http://schemas.openxmlformats.org/presentationml/2006/main">
+  <p:cSld>
+    <p:spTree>
+      <p:nvGrpSpPr>
+        <p:cNvPr id="1" name=""/>
+        <p:cNvGrpSpPr/>
+        <p:nvPr/>
+      </p:nvGrpSpPr>
+      <p:grpSpPr>
+        <a:xfrm>
+          <a:off x="0" y="0"/>
+          <a:ext cx="0" cy="0"/>
+          <a:chOff x="0" y="0"/>
+          <a:chExt cx="0" cy="0"/>
+        </a:xfrm>
+      </p:grpSpPr>
+      <p:sp>
+        <p:nvSpPr>
+          <p:cNvPr id="2" name="タイトル 1">
+            <a:extLst>
+              <a:ext uri="{FF2B5EF4-FFF2-40B4-BE49-F238E27FC236}">
                 <a16:creationId xmlns:a16="http://schemas.microsoft.com/office/drawing/2014/main" id="{C016FAB0-2659-46AE-AD5B-6CCB4C4C556C}"/>
               </a:ext>
             </a:extLst>
@@ -5839,7 +6663,7 @@
 </p:sld>
 </file>
 
-<file path=ppt/slides/slide7.xml><?xml version="1.0" encoding="utf-8"?>
+<file path=ppt/slides/slide8.xml><?xml version="1.0" encoding="utf-8"?>
 <p:sld xmlns:a="http://schemas.openxmlformats.org/drawingml/2006/main" xmlns:r="http://schemas.openxmlformats.org/officeDocument/2006/relationships" xmlns:p="http://schemas.openxmlformats.org/presentationml/2006/main">
   <p:cSld>
     <p:spTree>
@@ -6440,129 +7264,6 @@
 </p:sld>
 </file>
 
-<file path=ppt/slides/slide8.xml><?xml version="1.0" encoding="utf-8"?>
-<p:sld xmlns:a="http://schemas.openxmlformats.org/drawingml/2006/main" xmlns:r="http://schemas.openxmlformats.org/officeDocument/2006/relationships" xmlns:p="http://schemas.openxmlformats.org/presentationml/2006/main">
-  <p:cSld>
-    <p:spTree>
-      <p:nvGrpSpPr>
-        <p:cNvPr id="1" name=""/>
-        <p:cNvGrpSpPr/>
-        <p:nvPr/>
-      </p:nvGrpSpPr>
-      <p:grpSpPr>
-        <a:xfrm>
-          <a:off x="0" y="0"/>
-          <a:ext cx="0" cy="0"/>
-          <a:chOff x="0" y="0"/>
-          <a:chExt cx="0" cy="0"/>
-        </a:xfrm>
-      </p:grpSpPr>
-      <p:sp>
-        <p:nvSpPr>
-          <p:cNvPr id="2" name="タイトル 1">
-            <a:extLst>
-              <a:ext uri="{FF2B5EF4-FFF2-40B4-BE49-F238E27FC236}">
-                <a16:creationId xmlns:a16="http://schemas.microsoft.com/office/drawing/2014/main" id="{DE46DF81-54E4-4784-91E3-F22A5FEA57A4}"/>
-              </a:ext>
-            </a:extLst>
-          </p:cNvPr>
-          <p:cNvSpPr>
-            <a:spLocks noGrp="1"/>
-          </p:cNvSpPr>
-          <p:nvPr>
-            <p:ph type="title"/>
-          </p:nvPr>
-        </p:nvSpPr>
-        <p:spPr/>
-        <p:txBody>
-          <a:bodyPr/>
-          <a:lstStyle/>
-          <a:p>
-            <a:r>
-              <a:rPr kumimoji="1" lang="en-US" altLang="ja-JP" dirty="0"/>
-              <a:t>Polygon</a:t>
-            </a:r>
-            <a:r>
-              <a:rPr kumimoji="1" lang="ja-JP" altLang="en-US" dirty="0"/>
-              <a:t>一覧ファイル</a:t>
-            </a:r>
-          </a:p>
-        </p:txBody>
-      </p:sp>
-      <p:sp>
-        <p:nvSpPr>
-          <p:cNvPr id="3" name="コンテンツ プレースホルダー 2">
-            <a:extLst>
-              <a:ext uri="{FF2B5EF4-FFF2-40B4-BE49-F238E27FC236}">
-                <a16:creationId xmlns:a16="http://schemas.microsoft.com/office/drawing/2014/main" id="{99F2D395-4499-4816-BCE5-7CE0FD3CABDA}"/>
-              </a:ext>
-            </a:extLst>
-          </p:cNvPr>
-          <p:cNvSpPr>
-            <a:spLocks noGrp="1"/>
-          </p:cNvSpPr>
-          <p:nvPr>
-            <p:ph idx="1"/>
-          </p:nvPr>
-        </p:nvSpPr>
-        <p:spPr/>
-        <p:txBody>
-          <a:bodyPr/>
-          <a:lstStyle/>
-          <a:p>
-            <a:r>
-              <a:rPr lang="ja-JP" altLang="en-US" dirty="0"/>
-              <a:t>読み込む</a:t>
-            </a:r>
-            <a:r>
-              <a:rPr lang="en-US" altLang="ja-JP" dirty="0"/>
-              <a:t>Polygon</a:t>
-            </a:r>
-            <a:r>
-              <a:rPr lang="ja-JP" altLang="en-US" dirty="0"/>
-              <a:t>ファイル情報を定義する</a:t>
-            </a:r>
-            <a:endParaRPr lang="en-US" altLang="ja-JP" dirty="0"/>
-          </a:p>
-          <a:p>
-            <a:r>
-              <a:rPr kumimoji="1" lang="ja-JP" altLang="en-US" dirty="0"/>
-              <a:t>仕様は</a:t>
-            </a:r>
-            <a:r>
-              <a:rPr lang="ja-JP" altLang="en-US" dirty="0"/>
-              <a:t>一行目にルート</a:t>
-            </a:r>
-            <a:r>
-              <a:rPr lang="en-US" altLang="ja-JP" dirty="0"/>
-              <a:t>ID</a:t>
-            </a:r>
-          </a:p>
-          <a:p>
-            <a:r>
-              <a:rPr lang="ja-JP" altLang="en-US" dirty="0"/>
-              <a:t>以後は読み込み</a:t>
-            </a:r>
-            <a:r>
-              <a:rPr kumimoji="1" lang="ja-JP" altLang="en-US" dirty="0"/>
-              <a:t>ファイルパスが並ぶだけである。</a:t>
-            </a:r>
-          </a:p>
-        </p:txBody>
-      </p:sp>
-    </p:spTree>
-    <p:extLst>
-      <p:ext uri="{BB962C8B-B14F-4D97-AF65-F5344CB8AC3E}">
-        <p14:creationId xmlns:p14="http://schemas.microsoft.com/office/powerpoint/2010/main" val="823495461"/>
-      </p:ext>
-    </p:extLst>
-  </p:cSld>
-  <p:clrMapOvr>
-    <a:masterClrMapping/>
-  </p:clrMapOvr>
-</p:sld>
-</file>
-
 <file path=ppt/slides/slide9.xml><?xml version="1.0" encoding="utf-8"?>
 <p:sld xmlns:a="http://schemas.openxmlformats.org/drawingml/2006/main" xmlns:r="http://schemas.openxmlformats.org/officeDocument/2006/relationships" xmlns:p="http://schemas.openxmlformats.org/presentationml/2006/main">
   <p:cSld>
@@ -6585,7 +7286,7 @@
           <p:cNvPr id="2" name="タイトル 1">
             <a:extLst>
               <a:ext uri="{FF2B5EF4-FFF2-40B4-BE49-F238E27FC236}">
-                <a16:creationId xmlns:a16="http://schemas.microsoft.com/office/drawing/2014/main" id="{1AC4FE54-35CE-47DE-B50C-7A8AF6800281}"/>
+                <a16:creationId xmlns:a16="http://schemas.microsoft.com/office/drawing/2014/main" id="{DE46DF81-54E4-4784-91E3-F22A5FEA57A4}"/>
               </a:ext>
             </a:extLst>
           </p:cNvPr>
@@ -6602,8 +7303,12 @@
           <a:lstStyle/>
           <a:p>
             <a:r>
+              <a:rPr kumimoji="1" lang="en-US" altLang="ja-JP" dirty="0"/>
+              <a:t>Polygon</a:t>
+            </a:r>
+            <a:r>
               <a:rPr kumimoji="1" lang="ja-JP" altLang="en-US" dirty="0"/>
-              <a:t>読み込みテクスチャ一覧ファイル</a:t>
+              <a:t>一覧ファイル</a:t>
             </a:r>
           </a:p>
         </p:txBody>
@@ -6613,7 +7318,7 @@
           <p:cNvPr id="3" name="コンテンツ プレースホルダー 2">
             <a:extLst>
               <a:ext uri="{FF2B5EF4-FFF2-40B4-BE49-F238E27FC236}">
-                <a16:creationId xmlns:a16="http://schemas.microsoft.com/office/drawing/2014/main" id="{185C1475-D7E7-41CC-A499-AA440D9D99A6}"/>
+                <a16:creationId xmlns:a16="http://schemas.microsoft.com/office/drawing/2014/main" id="{99F2D395-4499-4816-BCE5-7CE0FD3CABDA}"/>
               </a:ext>
             </a:extLst>
           </p:cNvPr>
@@ -6626,145 +7331,53 @@
         </p:nvSpPr>
         <p:spPr/>
         <p:txBody>
-          <a:bodyPr>
-            <a:normAutofit lnSpcReduction="10000"/>
-          </a:bodyPr>
-          <a:lstStyle/>
+          <a:bodyPr/>
+          <a:lstStyle/>
+          <a:p>
+            <a:r>
+              <a:rPr lang="ja-JP" altLang="en-US" dirty="0"/>
+              <a:t>読み込む</a:t>
+            </a:r>
+            <a:r>
+              <a:rPr lang="en-US" altLang="ja-JP" dirty="0"/>
+              <a:t>Polygon</a:t>
+            </a:r>
+            <a:r>
+              <a:rPr lang="ja-JP" altLang="en-US" dirty="0"/>
+              <a:t>ファイル情報を定義する</a:t>
+            </a:r>
+            <a:endParaRPr lang="en-US" altLang="ja-JP" dirty="0"/>
+          </a:p>
           <a:p>
             <a:r>
               <a:rPr kumimoji="1" lang="ja-JP" altLang="en-US" dirty="0"/>
-              <a:t>読み込みを行うテクスチャ画像一覧が記されている。</a:t>
-            </a:r>
-            <a:endParaRPr kumimoji="1" lang="en-US" altLang="ja-JP" dirty="0"/>
-          </a:p>
-          <a:p>
-            <a:r>
-              <a:rPr lang="ja-JP" altLang="en-US" dirty="0"/>
-              <a:t>仕様は以下である。</a:t>
-            </a:r>
-            <a:endParaRPr lang="en-US" altLang="ja-JP" dirty="0"/>
-          </a:p>
-          <a:p>
-            <a:pPr lvl="1"/>
-            <a:r>
-              <a:rPr lang="ja-JP" altLang="en-US" dirty="0"/>
-              <a:t>一行目は</a:t>
-            </a:r>
-            <a:r>
-              <a:rPr lang="en-US" altLang="ja-JP" dirty="0" err="1"/>
-              <a:t>RootID</a:t>
+              <a:t>仕様は</a:t>
+            </a:r>
+            <a:r>
+              <a:rPr lang="ja-JP" altLang="en-US" dirty="0"/>
+              <a:t>一行目にルート</a:t>
             </a:r>
             <a:r>
               <a:rPr lang="en-US" altLang="ja-JP" dirty="0"/>
-              <a:t> </a:t>
-            </a:r>
-            <a:r>
-              <a:rPr lang="ja-JP" altLang="en-US" dirty="0"/>
-              <a:t>以後</a:t>
-            </a:r>
-            <a:endParaRPr lang="en-US" altLang="ja-JP" dirty="0"/>
-          </a:p>
-          <a:p>
-            <a:pPr lvl="1"/>
-            <a:r>
-              <a:rPr lang="ja-JP" altLang="en-US"/>
-              <a:t>ファイルパス</a:t>
-            </a:r>
-            <a:endParaRPr lang="en-US" altLang="ja-JP" dirty="0"/>
-          </a:p>
-          <a:p>
-            <a:pPr lvl="1"/>
+              <a:t>ID</a:t>
+            </a:r>
+          </a:p>
+          <a:p>
+            <a:r>
+              <a:rPr lang="ja-JP" altLang="en-US" dirty="0"/>
+              <a:t>以後は読み込み</a:t>
+            </a:r>
             <a:r>
               <a:rPr kumimoji="1" lang="ja-JP" altLang="en-US" dirty="0"/>
-              <a:t>透過色</a:t>
-            </a:r>
-            <a:r>
-              <a:rPr kumimoji="1" lang="en-US" altLang="ja-JP" dirty="0"/>
-              <a:t>(-1</a:t>
-            </a:r>
-            <a:r>
-              <a:rPr kumimoji="1" lang="ja-JP" altLang="en-US" dirty="0"/>
-              <a:t>で</a:t>
-            </a:r>
-            <a:r>
-              <a:rPr lang="ja-JP" altLang="en-US" dirty="0"/>
-              <a:t>透過色なし</a:t>
-            </a:r>
-            <a:r>
-              <a:rPr kumimoji="1" lang="en-US" altLang="ja-JP" dirty="0"/>
-              <a:t>)</a:t>
-            </a:r>
-          </a:p>
-          <a:p>
-            <a:pPr lvl="1"/>
-            <a:r>
-              <a:rPr lang="ja-JP" altLang="en-US" dirty="0"/>
-              <a:t>画像最大数</a:t>
-            </a:r>
-            <a:r>
-              <a:rPr lang="en-US" altLang="ja-JP" dirty="0"/>
-              <a:t>X</a:t>
-            </a:r>
-          </a:p>
-          <a:p>
-            <a:pPr lvl="1"/>
-            <a:r>
-              <a:rPr lang="ja-JP" altLang="en-US" dirty="0"/>
-              <a:t>画像</a:t>
-            </a:r>
-            <a:r>
-              <a:rPr kumimoji="1" lang="ja-JP" altLang="en-US" dirty="0"/>
-              <a:t>最大数</a:t>
-            </a:r>
-            <a:r>
-              <a:rPr kumimoji="1" lang="en-US" altLang="ja-JP" dirty="0"/>
-              <a:t>Y</a:t>
-            </a:r>
-          </a:p>
-          <a:p>
-            <a:r>
-              <a:rPr kumimoji="1" lang="ja-JP" altLang="en-US" dirty="0"/>
-              <a:t>ファイル名（拡張子無し）がコード名となる</a:t>
-            </a:r>
-            <a:endParaRPr kumimoji="1" lang="en-US" altLang="ja-JP" dirty="0"/>
-          </a:p>
-          <a:p>
-            <a:r>
-              <a:rPr lang="ja-JP" altLang="en-US" dirty="0"/>
-              <a:t>画像最大数</a:t>
-            </a:r>
-            <a:r>
-              <a:rPr lang="en-US" altLang="ja-JP" dirty="0"/>
-              <a:t>XY</a:t>
-            </a:r>
-            <a:r>
-              <a:rPr lang="ja-JP" altLang="en-US" dirty="0"/>
-              <a:t>はｱﾆﾒ用、一枚の画像に四つの横に並んで登録されている場合、画像最大数</a:t>
-            </a:r>
-            <a:r>
-              <a:rPr lang="en-US" altLang="ja-JP" dirty="0"/>
-              <a:t>X=4</a:t>
-            </a:r>
-            <a:r>
-              <a:rPr lang="ja-JP" altLang="en-US" dirty="0"/>
-              <a:t>画像最大数</a:t>
-            </a:r>
-            <a:r>
-              <a:rPr lang="en-US" altLang="ja-JP" dirty="0"/>
-              <a:t>Y=1</a:t>
-            </a:r>
-            <a:r>
-              <a:rPr lang="ja-JP" altLang="en-US" dirty="0"/>
-              <a:t>、と指定</a:t>
-            </a:r>
-            <a:endParaRPr lang="en-US" altLang="ja-JP" dirty="0"/>
+              <a:t>ファイルパスが並ぶだけである。</a:t>
+            </a:r>
           </a:p>
         </p:txBody>
       </p:sp>
     </p:spTree>
     <p:extLst>
       <p:ext uri="{BB962C8B-B14F-4D97-AF65-F5344CB8AC3E}">
-        <p14:creationId xmlns:p14="http://schemas.microsoft.com/office/powerpoint/2010/main" val="1538356789"/>
+        <p14:creationId xmlns:p14="http://schemas.microsoft.com/office/powerpoint/2010/main" val="823495461"/>
       </p:ext>
     </p:extLst>
   </p:cSld>
